--- a/img/source picture of GMP core.pptx
+++ b/img/source picture of GMP core.pptx
@@ -5,7 +5,7 @@
     <p:sldMasterId id="2147483648" r:id="rId1"/>
   </p:sldMasterIdLst>
   <p:notesMasterIdLst>
-    <p:notesMasterId r:id="rId8"/>
+    <p:notesMasterId r:id="rId11"/>
   </p:notesMasterIdLst>
   <p:sldIdLst>
     <p:sldId id="256" r:id="rId2"/>
@@ -14,6 +14,9 @@
     <p:sldId id="259" r:id="rId5"/>
     <p:sldId id="260" r:id="rId6"/>
     <p:sldId id="261" r:id="rId7"/>
+    <p:sldId id="264" r:id="rId8"/>
+    <p:sldId id="263" r:id="rId9"/>
+    <p:sldId id="262" r:id="rId10"/>
   </p:sldIdLst>
   <p:sldSz cx="12192000" cy="6858000"/>
   <p:notesSz cx="6858000" cy="9144000"/>
@@ -19638,6 +19641,3990 @@
 </p:sld>
 </file>
 
+<file path=ppt/slides/slide7.xml><?xml version="1.0" encoding="utf-8"?>
+<p:sld xmlns:a="http://schemas.openxmlformats.org/drawingml/2006/main" xmlns:r="http://schemas.openxmlformats.org/officeDocument/2006/relationships" xmlns:p="http://schemas.openxmlformats.org/presentationml/2006/main">
+  <p:cSld>
+    <p:spTree>
+      <p:nvGrpSpPr>
+        <p:cNvPr id="1" name=""/>
+        <p:cNvGrpSpPr/>
+        <p:nvPr/>
+      </p:nvGrpSpPr>
+      <p:grpSpPr>
+        <a:xfrm>
+          <a:off x="0" y="0"/>
+          <a:ext cx="0" cy="0"/>
+          <a:chOff x="0" y="0"/>
+          <a:chExt cx="0" cy="0"/>
+        </a:xfrm>
+      </p:grpSpPr>
+      <p:sp>
+        <p:nvSpPr>
+          <p:cNvPr id="2" name="箭头: 下 1">
+            <a:extLst>
+              <a:ext uri="{FF2B5EF4-FFF2-40B4-BE49-F238E27FC236}">
+                <a16:creationId xmlns:a16="http://schemas.microsoft.com/office/drawing/2014/main" id="{AF4600A4-2D52-490F-B75D-167359213AC5}"/>
+              </a:ext>
+            </a:extLst>
+          </p:cNvPr>
+          <p:cNvSpPr/>
+          <p:nvPr/>
+        </p:nvSpPr>
+        <p:spPr>
+          <a:xfrm>
+            <a:off x="1476469" y="1205913"/>
+            <a:ext cx="573932" cy="5009745"/>
+          </a:xfrm>
+          <a:prstGeom prst="downArrow">
+            <a:avLst/>
+          </a:prstGeom>
+          <a:gradFill>
+            <a:gsLst>
+              <a:gs pos="0">
+                <a:schemeClr val="accent1">
+                  <a:lumMod val="5000"/>
+                  <a:lumOff val="95000"/>
+                </a:schemeClr>
+              </a:gs>
+              <a:gs pos="74000">
+                <a:schemeClr val="accent1">
+                  <a:lumMod val="45000"/>
+                  <a:lumOff val="55000"/>
+                </a:schemeClr>
+              </a:gs>
+              <a:gs pos="100000">
+                <a:schemeClr val="accent1">
+                  <a:lumMod val="45000"/>
+                  <a:lumOff val="55000"/>
+                </a:schemeClr>
+              </a:gs>
+            </a:gsLst>
+            <a:lin ang="5400000" scaled="1"/>
+          </a:gradFill>
+          <a:ln>
+            <a:noFill/>
+          </a:ln>
+        </p:spPr>
+        <p:style>
+          <a:lnRef idx="2">
+            <a:schemeClr val="accent1">
+              <a:shade val="50000"/>
+            </a:schemeClr>
+          </a:lnRef>
+          <a:fillRef idx="1">
+            <a:schemeClr val="accent1"/>
+          </a:fillRef>
+          <a:effectRef idx="0">
+            <a:schemeClr val="accent1"/>
+          </a:effectRef>
+          <a:fontRef idx="minor">
+            <a:schemeClr val="lt1"/>
+          </a:fontRef>
+        </p:style>
+        <p:txBody>
+          <a:bodyPr rtlCol="0" anchor="ctr"/>
+          <a:lstStyle/>
+          <a:p>
+            <a:pPr algn="ctr"/>
+            <a:endParaRPr lang="zh-CN" altLang="en-US"/>
+          </a:p>
+        </p:txBody>
+      </p:sp>
+      <p:sp>
+        <p:nvSpPr>
+          <p:cNvPr id="3" name="文本框 2">
+            <a:extLst>
+              <a:ext uri="{FF2B5EF4-FFF2-40B4-BE49-F238E27FC236}">
+                <a16:creationId xmlns:a16="http://schemas.microsoft.com/office/drawing/2014/main" id="{06FE2D26-31E3-47ED-889B-3462EA7A08F2}"/>
+              </a:ext>
+            </a:extLst>
+          </p:cNvPr>
+          <p:cNvSpPr txBox="1"/>
+          <p:nvPr/>
+        </p:nvSpPr>
+        <p:spPr>
+          <a:xfrm>
+            <a:off x="2376972" y="6215659"/>
+            <a:ext cx="1813317" cy="369332"/>
+          </a:xfrm>
+          <a:prstGeom prst="rect">
+            <a:avLst/>
+          </a:prstGeom>
+          <a:noFill/>
+        </p:spPr>
+        <p:txBody>
+          <a:bodyPr wrap="none" rtlCol="0">
+            <a:spAutoFit/>
+          </a:bodyPr>
+          <a:lstStyle/>
+          <a:p>
+            <a:r>
+              <a:rPr lang="en-US" altLang="zh-CN" dirty="0"/>
+              <a:t>Initialize Routine</a:t>
+            </a:r>
+            <a:endParaRPr lang="zh-CN" altLang="en-US" dirty="0"/>
+          </a:p>
+        </p:txBody>
+      </p:sp>
+      <p:graphicFrame>
+        <p:nvGraphicFramePr>
+          <p:cNvPr id="4" name="表格 3">
+            <a:extLst>
+              <a:ext uri="{FF2B5EF4-FFF2-40B4-BE49-F238E27FC236}">
+                <a16:creationId xmlns:a16="http://schemas.microsoft.com/office/drawing/2014/main" id="{88C8B6AE-C107-4965-927D-695E4DEAA682}"/>
+              </a:ext>
+            </a:extLst>
+          </p:cNvPr>
+          <p:cNvGraphicFramePr>
+            <a:graphicFrameLocks noGrp="1"/>
+          </p:cNvGraphicFramePr>
+          <p:nvPr>
+            <p:extLst>
+              <p:ext uri="{D42A27DB-BD31-4B8C-83A1-F6EECF244321}">
+                <p14:modId xmlns:p14="http://schemas.microsoft.com/office/powerpoint/2010/main" val="1455787500"/>
+              </p:ext>
+            </p:extLst>
+          </p:nvPr>
+        </p:nvGraphicFramePr>
+        <p:xfrm>
+          <a:off x="1470159" y="1195865"/>
+          <a:ext cx="3626941" cy="365092"/>
+        </p:xfrm>
+        <a:graphic>
+          <a:graphicData uri="http://schemas.openxmlformats.org/drawingml/2006/table">
+            <a:tbl>
+              <a:tblPr firstCol="1" bandRow="1">
+                <a:tableStyleId>{5C22544A-7EE6-4342-B048-85BDC9FD1C3A}</a:tableStyleId>
+              </a:tblPr>
+              <a:tblGrid>
+                <a:gridCol w="1837880">
+                  <a:extLst>
+                    <a:ext uri="{9D8B030D-6E8A-4147-A177-3AD203B41FA5}">
+                      <a16:colId xmlns:a16="http://schemas.microsoft.com/office/drawing/2014/main" val="202487886"/>
+                    </a:ext>
+                  </a:extLst>
+                </a:gridCol>
+                <a:gridCol w="1789061">
+                  <a:extLst>
+                    <a:ext uri="{9D8B030D-6E8A-4147-A177-3AD203B41FA5}">
+                      <a16:colId xmlns:a16="http://schemas.microsoft.com/office/drawing/2014/main" val="1329057522"/>
+                    </a:ext>
+                  </a:extLst>
+                </a:gridCol>
+              </a:tblGrid>
+              <a:tr h="365092">
+                <a:tc>
+                  <a:txBody>
+                    <a:bodyPr/>
+                    <a:lstStyle/>
+                    <a:p>
+                      <a:r>
+                        <a:rPr lang="en-US" altLang="zh-CN" sz="1400" dirty="0"/>
+                        <a:t>gmp_main.cpp</a:t>
+                      </a:r>
+                      <a:endParaRPr lang="zh-CN" altLang="en-US" sz="1400" dirty="0"/>
+                    </a:p>
+                  </a:txBody>
+                  <a:tcPr anchor="ctr">
+                    <a:solidFill>
+                      <a:schemeClr val="accent1"/>
+                    </a:solidFill>
+                  </a:tcPr>
+                </a:tc>
+                <a:tc>
+                  <a:txBody>
+                    <a:bodyPr/>
+                    <a:lstStyle/>
+                    <a:p>
+                      <a:r>
+                        <a:rPr lang="en-US" altLang="zh-CN" sz="1400" b="0" kern="1200" dirty="0" err="1">
+                          <a:solidFill>
+                            <a:schemeClr val="dk1"/>
+                          </a:solidFill>
+                          <a:effectLst/>
+                          <a:latin typeface="+mn-lt"/>
+                          <a:ea typeface="+mn-ea"/>
+                          <a:cs typeface="+mn-cs"/>
+                        </a:rPr>
+                        <a:t>gmp_entry</a:t>
+                      </a:r>
+                      <a:endParaRPr lang="en-US" altLang="zh-CN" sz="1400" b="0" kern="1200" dirty="0">
+                        <a:solidFill>
+                          <a:schemeClr val="dk1"/>
+                        </a:solidFill>
+                        <a:effectLst/>
+                        <a:latin typeface="+mn-lt"/>
+                        <a:ea typeface="+mn-ea"/>
+                        <a:cs typeface="+mn-cs"/>
+                      </a:endParaRPr>
+                    </a:p>
+                  </a:txBody>
+                  <a:tcPr anchor="ctr">
+                    <a:solidFill>
+                      <a:schemeClr val="accent1">
+                        <a:tint val="40000"/>
+                        <a:alpha val="60000"/>
+                      </a:schemeClr>
+                    </a:solidFill>
+                  </a:tcPr>
+                </a:tc>
+                <a:extLst>
+                  <a:ext uri="{0D108BD9-81ED-4DB2-BD59-A6C34878D82A}">
+                    <a16:rowId xmlns:a16="http://schemas.microsoft.com/office/drawing/2014/main" val="832487418"/>
+                  </a:ext>
+                </a:extLst>
+              </a:tr>
+            </a:tbl>
+          </a:graphicData>
+        </a:graphic>
+      </p:graphicFrame>
+      <p:graphicFrame>
+        <p:nvGraphicFramePr>
+          <p:cNvPr id="5" name="表格 4">
+            <a:extLst>
+              <a:ext uri="{FF2B5EF4-FFF2-40B4-BE49-F238E27FC236}">
+                <a16:creationId xmlns:a16="http://schemas.microsoft.com/office/drawing/2014/main" id="{FDD1D334-E0FA-4686-840A-0D821941030E}"/>
+              </a:ext>
+            </a:extLst>
+          </p:cNvPr>
+          <p:cNvGraphicFramePr>
+            <a:graphicFrameLocks noGrp="1"/>
+          </p:cNvGraphicFramePr>
+          <p:nvPr>
+            <p:extLst>
+              <p:ext uri="{D42A27DB-BD31-4B8C-83A1-F6EECF244321}">
+                <p14:modId xmlns:p14="http://schemas.microsoft.com/office/powerpoint/2010/main" val="192391840"/>
+              </p:ext>
+            </p:extLst>
+          </p:nvPr>
+        </p:nvGraphicFramePr>
+        <p:xfrm>
+          <a:off x="1818192" y="1574692"/>
+          <a:ext cx="3626941" cy="365092"/>
+        </p:xfrm>
+        <a:graphic>
+          <a:graphicData uri="http://schemas.openxmlformats.org/drawingml/2006/table">
+            <a:tbl>
+              <a:tblPr firstCol="1" bandRow="1">
+                <a:tableStyleId>{5C22544A-7EE6-4342-B048-85BDC9FD1C3A}</a:tableStyleId>
+              </a:tblPr>
+              <a:tblGrid>
+                <a:gridCol w="1837880">
+                  <a:extLst>
+                    <a:ext uri="{9D8B030D-6E8A-4147-A177-3AD203B41FA5}">
+                      <a16:colId xmlns:a16="http://schemas.microsoft.com/office/drawing/2014/main" val="202487886"/>
+                    </a:ext>
+                  </a:extLst>
+                </a:gridCol>
+                <a:gridCol w="1789061">
+                  <a:extLst>
+                    <a:ext uri="{9D8B030D-6E8A-4147-A177-3AD203B41FA5}">
+                      <a16:colId xmlns:a16="http://schemas.microsoft.com/office/drawing/2014/main" val="1329057522"/>
+                    </a:ext>
+                  </a:extLst>
+                </a:gridCol>
+              </a:tblGrid>
+              <a:tr h="365092">
+                <a:tc>
+                  <a:txBody>
+                    <a:bodyPr/>
+                    <a:lstStyle/>
+                    <a:p>
+                      <a:r>
+                        <a:rPr lang="en-US" altLang="zh-CN" sz="1400" dirty="0"/>
+                        <a:t>gmp_main.cpp</a:t>
+                      </a:r>
+                      <a:endParaRPr lang="zh-CN" altLang="en-US" sz="1400" dirty="0"/>
+                    </a:p>
+                  </a:txBody>
+                  <a:tcPr anchor="ctr"/>
+                </a:tc>
+                <a:tc>
+                  <a:txBody>
+                    <a:bodyPr/>
+                    <a:lstStyle/>
+                    <a:p>
+                      <a:r>
+                        <a:rPr lang="en-US" altLang="zh-CN" sz="1400" b="0" kern="1200" dirty="0" err="1">
+                          <a:solidFill>
+                            <a:schemeClr val="dk1"/>
+                          </a:solidFill>
+                          <a:effectLst/>
+                          <a:latin typeface="+mn-lt"/>
+                          <a:ea typeface="+mn-ea"/>
+                          <a:cs typeface="+mn-cs"/>
+                        </a:rPr>
+                        <a:t>gmp_init</a:t>
+                      </a:r>
+                      <a:endParaRPr lang="en-US" altLang="zh-CN" sz="1400" b="0" kern="1200" dirty="0">
+                        <a:solidFill>
+                          <a:schemeClr val="dk1"/>
+                        </a:solidFill>
+                        <a:effectLst/>
+                        <a:latin typeface="+mn-lt"/>
+                        <a:ea typeface="+mn-ea"/>
+                        <a:cs typeface="+mn-cs"/>
+                      </a:endParaRPr>
+                    </a:p>
+                  </a:txBody>
+                  <a:tcPr anchor="ctr"/>
+                </a:tc>
+                <a:extLst>
+                  <a:ext uri="{0D108BD9-81ED-4DB2-BD59-A6C34878D82A}">
+                    <a16:rowId xmlns:a16="http://schemas.microsoft.com/office/drawing/2014/main" val="832487418"/>
+                  </a:ext>
+                </a:extLst>
+              </a:tr>
+            </a:tbl>
+          </a:graphicData>
+        </a:graphic>
+      </p:graphicFrame>
+      <p:graphicFrame>
+        <p:nvGraphicFramePr>
+          <p:cNvPr id="6" name="表格 5">
+            <a:extLst>
+              <a:ext uri="{FF2B5EF4-FFF2-40B4-BE49-F238E27FC236}">
+                <a16:creationId xmlns:a16="http://schemas.microsoft.com/office/drawing/2014/main" id="{1D2DCC64-7543-44FF-AACC-815184F1D309}"/>
+              </a:ext>
+            </a:extLst>
+          </p:cNvPr>
+          <p:cNvGraphicFramePr>
+            <a:graphicFrameLocks noGrp="1"/>
+          </p:cNvGraphicFramePr>
+          <p:nvPr>
+            <p:extLst>
+              <p:ext uri="{D42A27DB-BD31-4B8C-83A1-F6EECF244321}">
+                <p14:modId xmlns:p14="http://schemas.microsoft.com/office/powerpoint/2010/main" val="269755612"/>
+              </p:ext>
+            </p:extLst>
+          </p:nvPr>
+        </p:nvGraphicFramePr>
+        <p:xfrm>
+          <a:off x="1818192" y="3468827"/>
+          <a:ext cx="3626941" cy="365092"/>
+        </p:xfrm>
+        <a:graphic>
+          <a:graphicData uri="http://schemas.openxmlformats.org/drawingml/2006/table">
+            <a:tbl>
+              <a:tblPr firstCol="1" bandRow="1">
+                <a:tableStyleId>{5C22544A-7EE6-4342-B048-85BDC9FD1C3A}</a:tableStyleId>
+              </a:tblPr>
+              <a:tblGrid>
+                <a:gridCol w="1837880">
+                  <a:extLst>
+                    <a:ext uri="{9D8B030D-6E8A-4147-A177-3AD203B41FA5}">
+                      <a16:colId xmlns:a16="http://schemas.microsoft.com/office/drawing/2014/main" val="202487886"/>
+                    </a:ext>
+                  </a:extLst>
+                </a:gridCol>
+                <a:gridCol w="1789061">
+                  <a:extLst>
+                    <a:ext uri="{9D8B030D-6E8A-4147-A177-3AD203B41FA5}">
+                      <a16:colId xmlns:a16="http://schemas.microsoft.com/office/drawing/2014/main" val="1329057522"/>
+                    </a:ext>
+                  </a:extLst>
+                </a:gridCol>
+              </a:tblGrid>
+              <a:tr h="365092">
+                <a:tc>
+                  <a:txBody>
+                    <a:bodyPr/>
+                    <a:lstStyle/>
+                    <a:p>
+                      <a:r>
+                        <a:rPr lang="en-US" altLang="zh-CN" sz="1400" dirty="0"/>
+                        <a:t>user_main.cpp</a:t>
+                      </a:r>
+                      <a:endParaRPr lang="zh-CN" altLang="en-US" sz="1400" dirty="0"/>
+                    </a:p>
+                  </a:txBody>
+                  <a:tcPr anchor="ctr">
+                    <a:solidFill>
+                      <a:schemeClr val="accent3">
+                        <a:lumMod val="75000"/>
+                      </a:schemeClr>
+                    </a:solidFill>
+                  </a:tcPr>
+                </a:tc>
+                <a:tc>
+                  <a:txBody>
+                    <a:bodyPr/>
+                    <a:lstStyle/>
+                    <a:p>
+                      <a:r>
+                        <a:rPr lang="en-US" altLang="zh-CN" sz="1400" b="0" kern="1200" dirty="0" err="1">
+                          <a:solidFill>
+                            <a:schemeClr val="dk1"/>
+                          </a:solidFill>
+                          <a:effectLst/>
+                          <a:latin typeface="+mn-lt"/>
+                          <a:ea typeface="+mn-ea"/>
+                          <a:cs typeface="+mn-cs"/>
+                        </a:rPr>
+                        <a:t>user_init</a:t>
+                      </a:r>
+                      <a:endParaRPr lang="en-US" altLang="zh-CN" sz="1400" b="0" kern="1200" dirty="0">
+                        <a:solidFill>
+                          <a:schemeClr val="dk1"/>
+                        </a:solidFill>
+                        <a:effectLst/>
+                        <a:latin typeface="+mn-lt"/>
+                        <a:ea typeface="+mn-ea"/>
+                        <a:cs typeface="+mn-cs"/>
+                      </a:endParaRPr>
+                    </a:p>
+                  </a:txBody>
+                  <a:tcPr anchor="ctr">
+                    <a:solidFill>
+                      <a:schemeClr val="accent3">
+                        <a:lumMod val="40000"/>
+                        <a:lumOff val="60000"/>
+                      </a:schemeClr>
+                    </a:solidFill>
+                  </a:tcPr>
+                </a:tc>
+                <a:extLst>
+                  <a:ext uri="{0D108BD9-81ED-4DB2-BD59-A6C34878D82A}">
+                    <a16:rowId xmlns:a16="http://schemas.microsoft.com/office/drawing/2014/main" val="832487418"/>
+                  </a:ext>
+                </a:extLst>
+              </a:tr>
+            </a:tbl>
+          </a:graphicData>
+        </a:graphic>
+      </p:graphicFrame>
+      <p:graphicFrame>
+        <p:nvGraphicFramePr>
+          <p:cNvPr id="7" name="表格 6">
+            <a:extLst>
+              <a:ext uri="{FF2B5EF4-FFF2-40B4-BE49-F238E27FC236}">
+                <a16:creationId xmlns:a16="http://schemas.microsoft.com/office/drawing/2014/main" id="{FDC53E32-2B61-4A3F-A921-AEAD841FA17E}"/>
+              </a:ext>
+            </a:extLst>
+          </p:cNvPr>
+          <p:cNvGraphicFramePr>
+            <a:graphicFrameLocks noGrp="1"/>
+          </p:cNvGraphicFramePr>
+          <p:nvPr>
+            <p:extLst>
+              <p:ext uri="{D42A27DB-BD31-4B8C-83A1-F6EECF244321}">
+                <p14:modId xmlns:p14="http://schemas.microsoft.com/office/powerpoint/2010/main" val="3092650993"/>
+              </p:ext>
+            </p:extLst>
+          </p:nvPr>
+        </p:nvGraphicFramePr>
+        <p:xfrm>
+          <a:off x="1818192" y="3847654"/>
+          <a:ext cx="3626941" cy="365092"/>
+        </p:xfrm>
+        <a:graphic>
+          <a:graphicData uri="http://schemas.openxmlformats.org/drawingml/2006/table">
+            <a:tbl>
+              <a:tblPr firstCol="1" bandRow="1">
+                <a:tableStyleId>{5C22544A-7EE6-4342-B048-85BDC9FD1C3A}</a:tableStyleId>
+              </a:tblPr>
+              <a:tblGrid>
+                <a:gridCol w="1837880">
+                  <a:extLst>
+                    <a:ext uri="{9D8B030D-6E8A-4147-A177-3AD203B41FA5}">
+                      <a16:colId xmlns:a16="http://schemas.microsoft.com/office/drawing/2014/main" val="202487886"/>
+                    </a:ext>
+                  </a:extLst>
+                </a:gridCol>
+                <a:gridCol w="1789061">
+                  <a:extLst>
+                    <a:ext uri="{9D8B030D-6E8A-4147-A177-3AD203B41FA5}">
+                      <a16:colId xmlns:a16="http://schemas.microsoft.com/office/drawing/2014/main" val="1329057522"/>
+                    </a:ext>
+                  </a:extLst>
+                </a:gridCol>
+              </a:tblGrid>
+              <a:tr h="365092">
+                <a:tc>
+                  <a:txBody>
+                    <a:bodyPr/>
+                    <a:lstStyle/>
+                    <a:p>
+                      <a:r>
+                        <a:rPr lang="en-US" altLang="zh-CN" sz="1400" dirty="0"/>
+                        <a:t>gmp_main.cpp</a:t>
+                      </a:r>
+                      <a:endParaRPr lang="zh-CN" altLang="en-US" sz="1400" dirty="0"/>
+                    </a:p>
+                  </a:txBody>
+                  <a:tcPr anchor="ctr"/>
+                </a:tc>
+                <a:tc>
+                  <a:txBody>
+                    <a:bodyPr/>
+                    <a:lstStyle/>
+                    <a:p>
+                      <a:r>
+                        <a:rPr lang="en-US" altLang="zh-CN" sz="1400" b="0" kern="1200" dirty="0" err="1">
+                          <a:solidFill>
+                            <a:schemeClr val="dk1"/>
+                          </a:solidFill>
+                          <a:effectLst/>
+                          <a:latin typeface="+mn-lt"/>
+                          <a:ea typeface="+mn-ea"/>
+                          <a:cs typeface="+mn-cs"/>
+                        </a:rPr>
+                        <a:t>gmp_setup_label</a:t>
+                      </a:r>
+                      <a:endParaRPr lang="en-US" altLang="zh-CN" sz="1400" b="0" kern="1200" dirty="0">
+                        <a:solidFill>
+                          <a:schemeClr val="dk1"/>
+                        </a:solidFill>
+                        <a:effectLst/>
+                        <a:latin typeface="+mn-lt"/>
+                        <a:ea typeface="+mn-ea"/>
+                        <a:cs typeface="+mn-cs"/>
+                      </a:endParaRPr>
+                    </a:p>
+                  </a:txBody>
+                  <a:tcPr anchor="ctr"/>
+                </a:tc>
+                <a:extLst>
+                  <a:ext uri="{0D108BD9-81ED-4DB2-BD59-A6C34878D82A}">
+                    <a16:rowId xmlns:a16="http://schemas.microsoft.com/office/drawing/2014/main" val="832487418"/>
+                  </a:ext>
+                </a:extLst>
+              </a:tr>
+            </a:tbl>
+          </a:graphicData>
+        </a:graphic>
+      </p:graphicFrame>
+      <p:graphicFrame>
+        <p:nvGraphicFramePr>
+          <p:cNvPr id="8" name="表格 7">
+            <a:extLst>
+              <a:ext uri="{FF2B5EF4-FFF2-40B4-BE49-F238E27FC236}">
+                <a16:creationId xmlns:a16="http://schemas.microsoft.com/office/drawing/2014/main" id="{8CBBFE1A-3E94-4174-99FB-558F87760DCC}"/>
+              </a:ext>
+            </a:extLst>
+          </p:cNvPr>
+          <p:cNvGraphicFramePr>
+            <a:graphicFrameLocks noGrp="1"/>
+          </p:cNvGraphicFramePr>
+          <p:nvPr>
+            <p:extLst>
+              <p:ext uri="{D42A27DB-BD31-4B8C-83A1-F6EECF244321}">
+                <p14:modId xmlns:p14="http://schemas.microsoft.com/office/powerpoint/2010/main" val="1502478082"/>
+              </p:ext>
+            </p:extLst>
+          </p:nvPr>
+        </p:nvGraphicFramePr>
+        <p:xfrm>
+          <a:off x="1818192" y="4605308"/>
+          <a:ext cx="3626941" cy="365092"/>
+        </p:xfrm>
+        <a:graphic>
+          <a:graphicData uri="http://schemas.openxmlformats.org/drawingml/2006/table">
+            <a:tbl>
+              <a:tblPr firstCol="1" bandRow="1">
+                <a:tableStyleId>{5C22544A-7EE6-4342-B048-85BDC9FD1C3A}</a:tableStyleId>
+              </a:tblPr>
+              <a:tblGrid>
+                <a:gridCol w="1837880">
+                  <a:extLst>
+                    <a:ext uri="{9D8B030D-6E8A-4147-A177-3AD203B41FA5}">
+                      <a16:colId xmlns:a16="http://schemas.microsoft.com/office/drawing/2014/main" val="202487886"/>
+                    </a:ext>
+                  </a:extLst>
+                </a:gridCol>
+                <a:gridCol w="1789061">
+                  <a:extLst>
+                    <a:ext uri="{9D8B030D-6E8A-4147-A177-3AD203B41FA5}">
+                      <a16:colId xmlns:a16="http://schemas.microsoft.com/office/drawing/2014/main" val="1329057522"/>
+                    </a:ext>
+                  </a:extLst>
+                </a:gridCol>
+              </a:tblGrid>
+              <a:tr h="365092">
+                <a:tc>
+                  <a:txBody>
+                    <a:bodyPr/>
+                    <a:lstStyle/>
+                    <a:p>
+                      <a:r>
+                        <a:rPr lang="en-US" altLang="zh-CN" sz="1400" dirty="0"/>
+                        <a:t>CSP source</a:t>
+                      </a:r>
+                      <a:endParaRPr lang="zh-CN" altLang="en-US" sz="1400" dirty="0"/>
+                    </a:p>
+                  </a:txBody>
+                  <a:tcPr anchor="ctr">
+                    <a:solidFill>
+                      <a:schemeClr val="accent4">
+                        <a:lumMod val="75000"/>
+                      </a:schemeClr>
+                    </a:solidFill>
+                  </a:tcPr>
+                </a:tc>
+                <a:tc>
+                  <a:txBody>
+                    <a:bodyPr/>
+                    <a:lstStyle/>
+                    <a:p>
+                      <a:r>
+                        <a:rPr lang="en-US" altLang="zh-CN" sz="1400" b="0" kern="1200" dirty="0" err="1">
+                          <a:solidFill>
+                            <a:schemeClr val="dk1"/>
+                          </a:solidFill>
+                          <a:effectLst/>
+                          <a:latin typeface="+mn-lt"/>
+                          <a:ea typeface="+mn-ea"/>
+                          <a:cs typeface="+mn-cs"/>
+                        </a:rPr>
+                        <a:t>csp_post_process</a:t>
+                      </a:r>
+                      <a:endParaRPr lang="en-US" altLang="zh-CN" sz="1400" b="0" kern="1200" dirty="0">
+                        <a:solidFill>
+                          <a:schemeClr val="dk1"/>
+                        </a:solidFill>
+                        <a:effectLst/>
+                        <a:latin typeface="+mn-lt"/>
+                        <a:ea typeface="+mn-ea"/>
+                        <a:cs typeface="+mn-cs"/>
+                      </a:endParaRPr>
+                    </a:p>
+                  </a:txBody>
+                  <a:tcPr anchor="ctr">
+                    <a:solidFill>
+                      <a:schemeClr val="accent4">
+                        <a:lumMod val="20000"/>
+                        <a:lumOff val="80000"/>
+                      </a:schemeClr>
+                    </a:solidFill>
+                  </a:tcPr>
+                </a:tc>
+                <a:extLst>
+                  <a:ext uri="{0D108BD9-81ED-4DB2-BD59-A6C34878D82A}">
+                    <a16:rowId xmlns:a16="http://schemas.microsoft.com/office/drawing/2014/main" val="832487418"/>
+                  </a:ext>
+                </a:extLst>
+              </a:tr>
+            </a:tbl>
+          </a:graphicData>
+        </a:graphic>
+      </p:graphicFrame>
+      <p:graphicFrame>
+        <p:nvGraphicFramePr>
+          <p:cNvPr id="9" name="表格 8">
+            <a:extLst>
+              <a:ext uri="{FF2B5EF4-FFF2-40B4-BE49-F238E27FC236}">
+                <a16:creationId xmlns:a16="http://schemas.microsoft.com/office/drawing/2014/main" id="{B3EB229F-A9B1-452B-BBEE-A3D8BC5A0CFE}"/>
+              </a:ext>
+            </a:extLst>
+          </p:cNvPr>
+          <p:cNvGraphicFramePr>
+            <a:graphicFrameLocks noGrp="1"/>
+          </p:cNvGraphicFramePr>
+          <p:nvPr>
+            <p:extLst>
+              <p:ext uri="{D42A27DB-BD31-4B8C-83A1-F6EECF244321}">
+                <p14:modId xmlns:p14="http://schemas.microsoft.com/office/powerpoint/2010/main" val="1913781920"/>
+              </p:ext>
+            </p:extLst>
+          </p:nvPr>
+        </p:nvGraphicFramePr>
+        <p:xfrm>
+          <a:off x="1818192" y="4984133"/>
+          <a:ext cx="3626941" cy="365092"/>
+        </p:xfrm>
+        <a:graphic>
+          <a:graphicData uri="http://schemas.openxmlformats.org/drawingml/2006/table">
+            <a:tbl>
+              <a:tblPr firstCol="1" bandRow="1">
+                <a:tableStyleId>{5C22544A-7EE6-4342-B048-85BDC9FD1C3A}</a:tableStyleId>
+              </a:tblPr>
+              <a:tblGrid>
+                <a:gridCol w="1837880">
+                  <a:extLst>
+                    <a:ext uri="{9D8B030D-6E8A-4147-A177-3AD203B41FA5}">
+                      <a16:colId xmlns:a16="http://schemas.microsoft.com/office/drawing/2014/main" val="202487886"/>
+                    </a:ext>
+                  </a:extLst>
+                </a:gridCol>
+                <a:gridCol w="1789061">
+                  <a:extLst>
+                    <a:ext uri="{9D8B030D-6E8A-4147-A177-3AD203B41FA5}">
+                      <a16:colId xmlns:a16="http://schemas.microsoft.com/office/drawing/2014/main" val="1329057522"/>
+                    </a:ext>
+                  </a:extLst>
+                </a:gridCol>
+              </a:tblGrid>
+              <a:tr h="365092">
+                <a:tc>
+                  <a:txBody>
+                    <a:bodyPr/>
+                    <a:lstStyle/>
+                    <a:p>
+                      <a:r>
+                        <a:rPr lang="en-US" altLang="zh-CN" sz="1400" dirty="0"/>
+                        <a:t>gmp_main.cpp</a:t>
+                      </a:r>
+                      <a:endParaRPr lang="zh-CN" altLang="en-US" sz="1400" dirty="0"/>
+                    </a:p>
+                  </a:txBody>
+                  <a:tcPr anchor="ctr"/>
+                </a:tc>
+                <a:tc>
+                  <a:txBody>
+                    <a:bodyPr/>
+                    <a:lstStyle/>
+                    <a:p>
+                      <a:r>
+                        <a:rPr lang="en-US" altLang="zh-CN" sz="1400" b="0" kern="1200" dirty="0">
+                          <a:solidFill>
+                            <a:schemeClr val="dk1"/>
+                          </a:solidFill>
+                          <a:effectLst/>
+                          <a:latin typeface="+mn-lt"/>
+                          <a:ea typeface="+mn-ea"/>
+                          <a:cs typeface="+mn-cs"/>
+                        </a:rPr>
+                        <a:t>Entry loop Section</a:t>
+                      </a:r>
+                    </a:p>
+                  </a:txBody>
+                  <a:tcPr anchor="ctr"/>
+                </a:tc>
+                <a:extLst>
+                  <a:ext uri="{0D108BD9-81ED-4DB2-BD59-A6C34878D82A}">
+                    <a16:rowId xmlns:a16="http://schemas.microsoft.com/office/drawing/2014/main" val="832487418"/>
+                  </a:ext>
+                </a:extLst>
+              </a:tr>
+            </a:tbl>
+          </a:graphicData>
+        </a:graphic>
+      </p:graphicFrame>
+      <p:graphicFrame>
+        <p:nvGraphicFramePr>
+          <p:cNvPr id="10" name="表格 9">
+            <a:extLst>
+              <a:ext uri="{FF2B5EF4-FFF2-40B4-BE49-F238E27FC236}">
+                <a16:creationId xmlns:a16="http://schemas.microsoft.com/office/drawing/2014/main" id="{41B74A76-9821-46F3-BE68-E5154D22162C}"/>
+              </a:ext>
+            </a:extLst>
+          </p:cNvPr>
+          <p:cNvGraphicFramePr>
+            <a:graphicFrameLocks noGrp="1"/>
+          </p:cNvGraphicFramePr>
+          <p:nvPr>
+            <p:extLst>
+              <p:ext uri="{D42A27DB-BD31-4B8C-83A1-F6EECF244321}">
+                <p14:modId xmlns:p14="http://schemas.microsoft.com/office/powerpoint/2010/main" val="1579174148"/>
+              </p:ext>
+            </p:extLst>
+          </p:nvPr>
+        </p:nvGraphicFramePr>
+        <p:xfrm>
+          <a:off x="2190002" y="1953519"/>
+          <a:ext cx="3626941" cy="365092"/>
+        </p:xfrm>
+        <a:graphic>
+          <a:graphicData uri="http://schemas.openxmlformats.org/drawingml/2006/table">
+            <a:tbl>
+              <a:tblPr firstCol="1" bandRow="1">
+                <a:tableStyleId>{5C22544A-7EE6-4342-B048-85BDC9FD1C3A}</a:tableStyleId>
+              </a:tblPr>
+              <a:tblGrid>
+                <a:gridCol w="1643327">
+                  <a:extLst>
+                    <a:ext uri="{9D8B030D-6E8A-4147-A177-3AD203B41FA5}">
+                      <a16:colId xmlns:a16="http://schemas.microsoft.com/office/drawing/2014/main" val="202487886"/>
+                    </a:ext>
+                  </a:extLst>
+                </a:gridCol>
+                <a:gridCol w="1983614">
+                  <a:extLst>
+                    <a:ext uri="{9D8B030D-6E8A-4147-A177-3AD203B41FA5}">
+                      <a16:colId xmlns:a16="http://schemas.microsoft.com/office/drawing/2014/main" val="1329057522"/>
+                    </a:ext>
+                  </a:extLst>
+                </a:gridCol>
+              </a:tblGrid>
+              <a:tr h="365092">
+                <a:tc>
+                  <a:txBody>
+                    <a:bodyPr/>
+                    <a:lstStyle/>
+                    <a:p>
+                      <a:r>
+                        <a:rPr lang="en-US" altLang="zh-CN" sz="1400" dirty="0"/>
+                        <a:t>CSP source</a:t>
+                      </a:r>
+                      <a:endParaRPr lang="zh-CN" altLang="en-US" sz="1400" dirty="0"/>
+                    </a:p>
+                  </a:txBody>
+                  <a:tcPr anchor="ctr">
+                    <a:solidFill>
+                      <a:schemeClr val="accent4">
+                        <a:lumMod val="75000"/>
+                      </a:schemeClr>
+                    </a:solidFill>
+                  </a:tcPr>
+                </a:tc>
+                <a:tc>
+                  <a:txBody>
+                    <a:bodyPr/>
+                    <a:lstStyle/>
+                    <a:p>
+                      <a:r>
+                        <a:rPr lang="en-US" altLang="zh-CN" sz="1400" b="0" kern="1200" dirty="0" err="1">
+                          <a:solidFill>
+                            <a:schemeClr val="dk1"/>
+                          </a:solidFill>
+                          <a:effectLst/>
+                          <a:latin typeface="+mn-lt"/>
+                          <a:ea typeface="+mn-ea"/>
+                          <a:cs typeface="+mn-cs"/>
+                        </a:rPr>
+                        <a:t>gmp_csp_startup</a:t>
+                      </a:r>
+                      <a:endParaRPr lang="en-US" altLang="zh-CN" sz="1400" b="0" kern="1200" dirty="0">
+                        <a:solidFill>
+                          <a:schemeClr val="dk1"/>
+                        </a:solidFill>
+                        <a:effectLst/>
+                        <a:latin typeface="+mn-lt"/>
+                        <a:ea typeface="+mn-ea"/>
+                        <a:cs typeface="+mn-cs"/>
+                      </a:endParaRPr>
+                    </a:p>
+                  </a:txBody>
+                  <a:tcPr anchor="ctr">
+                    <a:solidFill>
+                      <a:schemeClr val="accent4">
+                        <a:lumMod val="20000"/>
+                        <a:lumOff val="80000"/>
+                      </a:schemeClr>
+                    </a:solidFill>
+                  </a:tcPr>
+                </a:tc>
+                <a:extLst>
+                  <a:ext uri="{0D108BD9-81ED-4DB2-BD59-A6C34878D82A}">
+                    <a16:rowId xmlns:a16="http://schemas.microsoft.com/office/drawing/2014/main" val="832487418"/>
+                  </a:ext>
+                </a:extLst>
+              </a:tr>
+            </a:tbl>
+          </a:graphicData>
+        </a:graphic>
+      </p:graphicFrame>
+      <p:graphicFrame>
+        <p:nvGraphicFramePr>
+          <p:cNvPr id="11" name="表格 10">
+            <a:extLst>
+              <a:ext uri="{FF2B5EF4-FFF2-40B4-BE49-F238E27FC236}">
+                <a16:creationId xmlns:a16="http://schemas.microsoft.com/office/drawing/2014/main" id="{43806204-E755-4F7B-90C8-18E4427078B0}"/>
+              </a:ext>
+            </a:extLst>
+          </p:cNvPr>
+          <p:cNvGraphicFramePr>
+            <a:graphicFrameLocks noGrp="1"/>
+          </p:cNvGraphicFramePr>
+          <p:nvPr>
+            <p:extLst>
+              <p:ext uri="{D42A27DB-BD31-4B8C-83A1-F6EECF244321}">
+                <p14:modId xmlns:p14="http://schemas.microsoft.com/office/powerpoint/2010/main" val="1660142168"/>
+              </p:ext>
+            </p:extLst>
+          </p:nvPr>
+        </p:nvGraphicFramePr>
+        <p:xfrm>
+          <a:off x="2190002" y="3090000"/>
+          <a:ext cx="3626941" cy="365092"/>
+        </p:xfrm>
+        <a:graphic>
+          <a:graphicData uri="http://schemas.openxmlformats.org/drawingml/2006/table">
+            <a:tbl>
+              <a:tblPr firstCol="1" bandRow="1">
+                <a:tableStyleId>{5C22544A-7EE6-4342-B048-85BDC9FD1C3A}</a:tableStyleId>
+              </a:tblPr>
+              <a:tblGrid>
+                <a:gridCol w="1614148">
+                  <a:extLst>
+                    <a:ext uri="{9D8B030D-6E8A-4147-A177-3AD203B41FA5}">
+                      <a16:colId xmlns:a16="http://schemas.microsoft.com/office/drawing/2014/main" val="202487886"/>
+                    </a:ext>
+                  </a:extLst>
+                </a:gridCol>
+                <a:gridCol w="2012793">
+                  <a:extLst>
+                    <a:ext uri="{9D8B030D-6E8A-4147-A177-3AD203B41FA5}">
+                      <a16:colId xmlns:a16="http://schemas.microsoft.com/office/drawing/2014/main" val="1329057522"/>
+                    </a:ext>
+                  </a:extLst>
+                </a:gridCol>
+              </a:tblGrid>
+              <a:tr h="365092">
+                <a:tc>
+                  <a:txBody>
+                    <a:bodyPr/>
+                    <a:lstStyle/>
+                    <a:p>
+                      <a:r>
+                        <a:rPr lang="en-US" altLang="zh-CN" sz="1400" dirty="0" err="1"/>
+                        <a:t>block_mem.c</a:t>
+                      </a:r>
+                      <a:endParaRPr lang="zh-CN" altLang="en-US" sz="1400" dirty="0"/>
+                    </a:p>
+                  </a:txBody>
+                  <a:tcPr anchor="ctr"/>
+                </a:tc>
+                <a:tc>
+                  <a:txBody>
+                    <a:bodyPr/>
+                    <a:lstStyle/>
+                    <a:p>
+                      <a:r>
+                        <a:rPr lang="en-US" altLang="zh-CN" sz="1400" b="0" kern="1200" dirty="0" err="1">
+                          <a:solidFill>
+                            <a:schemeClr val="dk1"/>
+                          </a:solidFill>
+                          <a:effectLst/>
+                          <a:latin typeface="+mn-lt"/>
+                          <a:ea typeface="+mn-ea"/>
+                          <a:cs typeface="+mn-cs"/>
+                        </a:rPr>
+                        <a:t>gmp_mem_setup</a:t>
+                      </a:r>
+                      <a:endParaRPr lang="en-US" altLang="zh-CN" sz="1400" b="0" kern="1200" dirty="0">
+                        <a:solidFill>
+                          <a:schemeClr val="dk1"/>
+                        </a:solidFill>
+                        <a:effectLst/>
+                        <a:latin typeface="+mn-lt"/>
+                        <a:ea typeface="+mn-ea"/>
+                        <a:cs typeface="+mn-cs"/>
+                      </a:endParaRPr>
+                    </a:p>
+                  </a:txBody>
+                  <a:tcPr anchor="ctr"/>
+                </a:tc>
+                <a:extLst>
+                  <a:ext uri="{0D108BD9-81ED-4DB2-BD59-A6C34878D82A}">
+                    <a16:rowId xmlns:a16="http://schemas.microsoft.com/office/drawing/2014/main" val="832487418"/>
+                  </a:ext>
+                </a:extLst>
+              </a:tr>
+            </a:tbl>
+          </a:graphicData>
+        </a:graphic>
+      </p:graphicFrame>
+      <p:graphicFrame>
+        <p:nvGraphicFramePr>
+          <p:cNvPr id="12" name="表格 11">
+            <a:extLst>
+              <a:ext uri="{FF2B5EF4-FFF2-40B4-BE49-F238E27FC236}">
+                <a16:creationId xmlns:a16="http://schemas.microsoft.com/office/drawing/2014/main" id="{0D953071-DD60-47B2-9C68-A0A09DDAEC38}"/>
+              </a:ext>
+            </a:extLst>
+          </p:cNvPr>
+          <p:cNvGraphicFramePr>
+            <a:graphicFrameLocks noGrp="1"/>
+          </p:cNvGraphicFramePr>
+          <p:nvPr>
+            <p:extLst>
+              <p:ext uri="{D42A27DB-BD31-4B8C-83A1-F6EECF244321}">
+                <p14:modId xmlns:p14="http://schemas.microsoft.com/office/powerpoint/2010/main" val="2341528261"/>
+              </p:ext>
+            </p:extLst>
+          </p:nvPr>
+        </p:nvGraphicFramePr>
+        <p:xfrm>
+          <a:off x="2190002" y="2711173"/>
+          <a:ext cx="3626941" cy="365092"/>
+        </p:xfrm>
+        <a:graphic>
+          <a:graphicData uri="http://schemas.openxmlformats.org/drawingml/2006/table">
+            <a:tbl>
+              <a:tblPr firstCol="1" bandRow="1">
+                <a:tableStyleId>{5C22544A-7EE6-4342-B048-85BDC9FD1C3A}</a:tableStyleId>
+              </a:tblPr>
+              <a:tblGrid>
+                <a:gridCol w="1623875">
+                  <a:extLst>
+                    <a:ext uri="{9D8B030D-6E8A-4147-A177-3AD203B41FA5}">
+                      <a16:colId xmlns:a16="http://schemas.microsoft.com/office/drawing/2014/main" val="202487886"/>
+                    </a:ext>
+                  </a:extLst>
+                </a:gridCol>
+                <a:gridCol w="2003066">
+                  <a:extLst>
+                    <a:ext uri="{9D8B030D-6E8A-4147-A177-3AD203B41FA5}">
+                      <a16:colId xmlns:a16="http://schemas.microsoft.com/office/drawing/2014/main" val="1329057522"/>
+                    </a:ext>
+                  </a:extLst>
+                </a:gridCol>
+              </a:tblGrid>
+              <a:tr h="365092">
+                <a:tc>
+                  <a:txBody>
+                    <a:bodyPr/>
+                    <a:lstStyle/>
+                    <a:p>
+                      <a:r>
+                        <a:rPr lang="en-US" altLang="zh-CN" sz="1200" dirty="0" err="1"/>
+                        <a:t>peripehral_mapping</a:t>
+                      </a:r>
+                      <a:endParaRPr lang="zh-CN" altLang="en-US" sz="1200" dirty="0"/>
+                    </a:p>
+                  </a:txBody>
+                  <a:tcPr anchor="ctr">
+                    <a:solidFill>
+                      <a:schemeClr val="accent3">
+                        <a:lumMod val="75000"/>
+                      </a:schemeClr>
+                    </a:solidFill>
+                  </a:tcPr>
+                </a:tc>
+                <a:tc>
+                  <a:txBody>
+                    <a:bodyPr/>
+                    <a:lstStyle/>
+                    <a:p>
+                      <a:r>
+                        <a:rPr lang="en-US" altLang="zh-CN" sz="1200" b="0" kern="1200" dirty="0" err="1">
+                          <a:solidFill>
+                            <a:schemeClr val="dk1"/>
+                          </a:solidFill>
+                          <a:effectLst/>
+                          <a:latin typeface="+mn-lt"/>
+                          <a:ea typeface="+mn-ea"/>
+                          <a:cs typeface="+mn-cs"/>
+                        </a:rPr>
+                        <a:t>gmp_init_peripheral_tree</a:t>
+                      </a:r>
+                      <a:endParaRPr lang="en-US" altLang="zh-CN" sz="1200" b="0" kern="1200" dirty="0">
+                        <a:solidFill>
+                          <a:schemeClr val="dk1"/>
+                        </a:solidFill>
+                        <a:effectLst/>
+                        <a:latin typeface="+mn-lt"/>
+                        <a:ea typeface="+mn-ea"/>
+                        <a:cs typeface="+mn-cs"/>
+                      </a:endParaRPr>
+                    </a:p>
+                  </a:txBody>
+                  <a:tcPr anchor="ctr">
+                    <a:solidFill>
+                      <a:schemeClr val="accent3">
+                        <a:lumMod val="40000"/>
+                        <a:lumOff val="60000"/>
+                      </a:schemeClr>
+                    </a:solidFill>
+                  </a:tcPr>
+                </a:tc>
+                <a:extLst>
+                  <a:ext uri="{0D108BD9-81ED-4DB2-BD59-A6C34878D82A}">
+                    <a16:rowId xmlns:a16="http://schemas.microsoft.com/office/drawing/2014/main" val="832487418"/>
+                  </a:ext>
+                </a:extLst>
+              </a:tr>
+            </a:tbl>
+          </a:graphicData>
+        </a:graphic>
+      </p:graphicFrame>
+      <p:graphicFrame>
+        <p:nvGraphicFramePr>
+          <p:cNvPr id="13" name="表格 12">
+            <a:extLst>
+              <a:ext uri="{FF2B5EF4-FFF2-40B4-BE49-F238E27FC236}">
+                <a16:creationId xmlns:a16="http://schemas.microsoft.com/office/drawing/2014/main" id="{55E4AA3D-6561-4FF1-AD1D-E31DDF43C105}"/>
+              </a:ext>
+            </a:extLst>
+          </p:cNvPr>
+          <p:cNvGraphicFramePr>
+            <a:graphicFrameLocks noGrp="1"/>
+          </p:cNvGraphicFramePr>
+          <p:nvPr>
+            <p:extLst>
+              <p:ext uri="{D42A27DB-BD31-4B8C-83A1-F6EECF244321}">
+                <p14:modId xmlns:p14="http://schemas.microsoft.com/office/powerpoint/2010/main" val="4067201761"/>
+              </p:ext>
+            </p:extLst>
+          </p:nvPr>
+        </p:nvGraphicFramePr>
+        <p:xfrm>
+          <a:off x="2190002" y="2332346"/>
+          <a:ext cx="3626941" cy="365092"/>
+        </p:xfrm>
+        <a:graphic>
+          <a:graphicData uri="http://schemas.openxmlformats.org/drawingml/2006/table">
+            <a:tbl>
+              <a:tblPr firstCol="1" bandRow="1">
+                <a:tableStyleId>{5C22544A-7EE6-4342-B048-85BDC9FD1C3A}</a:tableStyleId>
+              </a:tblPr>
+              <a:tblGrid>
+                <a:gridCol w="1623875">
+                  <a:extLst>
+                    <a:ext uri="{9D8B030D-6E8A-4147-A177-3AD203B41FA5}">
+                      <a16:colId xmlns:a16="http://schemas.microsoft.com/office/drawing/2014/main" val="202487886"/>
+                    </a:ext>
+                  </a:extLst>
+                </a:gridCol>
+                <a:gridCol w="2003066">
+                  <a:extLst>
+                    <a:ext uri="{9D8B030D-6E8A-4147-A177-3AD203B41FA5}">
+                      <a16:colId xmlns:a16="http://schemas.microsoft.com/office/drawing/2014/main" val="1329057522"/>
+                    </a:ext>
+                  </a:extLst>
+                </a:gridCol>
+              </a:tblGrid>
+              <a:tr h="365092">
+                <a:tc>
+                  <a:txBody>
+                    <a:bodyPr/>
+                    <a:lstStyle/>
+                    <a:p>
+                      <a:r>
+                        <a:rPr lang="en-US" altLang="zh-CN" sz="1200" dirty="0" err="1"/>
+                        <a:t>peripehral_mapping</a:t>
+                      </a:r>
+                      <a:endParaRPr lang="zh-CN" altLang="en-US" sz="1200" dirty="0"/>
+                    </a:p>
+                  </a:txBody>
+                  <a:tcPr anchor="ctr">
+                    <a:solidFill>
+                      <a:schemeClr val="accent3">
+                        <a:lumMod val="75000"/>
+                      </a:schemeClr>
+                    </a:solidFill>
+                  </a:tcPr>
+                </a:tc>
+                <a:tc>
+                  <a:txBody>
+                    <a:bodyPr/>
+                    <a:lstStyle/>
+                    <a:p>
+                      <a:r>
+                        <a:rPr lang="en-US" altLang="zh-CN" sz="1200" b="0" kern="1200" dirty="0" err="1">
+                          <a:solidFill>
+                            <a:schemeClr val="dk1"/>
+                          </a:solidFill>
+                          <a:effectLst/>
+                          <a:latin typeface="+mn-lt"/>
+                          <a:ea typeface="+mn-ea"/>
+                          <a:cs typeface="+mn-cs"/>
+                        </a:rPr>
+                        <a:t>gmp_setup_peripheral</a:t>
+                      </a:r>
+                      <a:endParaRPr lang="en-US" altLang="zh-CN" sz="1200" b="0" kern="1200" dirty="0">
+                        <a:solidFill>
+                          <a:schemeClr val="dk1"/>
+                        </a:solidFill>
+                        <a:effectLst/>
+                        <a:latin typeface="+mn-lt"/>
+                        <a:ea typeface="+mn-ea"/>
+                        <a:cs typeface="+mn-cs"/>
+                      </a:endParaRPr>
+                    </a:p>
+                  </a:txBody>
+                  <a:tcPr anchor="ctr">
+                    <a:solidFill>
+                      <a:schemeClr val="accent3">
+                        <a:lumMod val="40000"/>
+                        <a:lumOff val="60000"/>
+                      </a:schemeClr>
+                    </a:solidFill>
+                  </a:tcPr>
+                </a:tc>
+                <a:extLst>
+                  <a:ext uri="{0D108BD9-81ED-4DB2-BD59-A6C34878D82A}">
+                    <a16:rowId xmlns:a16="http://schemas.microsoft.com/office/drawing/2014/main" val="832487418"/>
+                  </a:ext>
+                </a:extLst>
+              </a:tr>
+            </a:tbl>
+          </a:graphicData>
+        </a:graphic>
+      </p:graphicFrame>
+      <p:graphicFrame>
+        <p:nvGraphicFramePr>
+          <p:cNvPr id="14" name="表格 13">
+            <a:extLst>
+              <a:ext uri="{FF2B5EF4-FFF2-40B4-BE49-F238E27FC236}">
+                <a16:creationId xmlns:a16="http://schemas.microsoft.com/office/drawing/2014/main" id="{7A5BA606-0434-4BD2-9093-883341B3F692}"/>
+              </a:ext>
+            </a:extLst>
+          </p:cNvPr>
+          <p:cNvGraphicFramePr>
+            <a:graphicFrameLocks noGrp="1"/>
+          </p:cNvGraphicFramePr>
+          <p:nvPr>
+            <p:extLst>
+              <p:ext uri="{D42A27DB-BD31-4B8C-83A1-F6EECF244321}">
+                <p14:modId xmlns:p14="http://schemas.microsoft.com/office/powerpoint/2010/main" val="1118055597"/>
+              </p:ext>
+            </p:extLst>
+          </p:nvPr>
+        </p:nvGraphicFramePr>
+        <p:xfrm>
+          <a:off x="2190002" y="4226481"/>
+          <a:ext cx="3626941" cy="365092"/>
+        </p:xfrm>
+        <a:graphic>
+          <a:graphicData uri="http://schemas.openxmlformats.org/drawingml/2006/table">
+            <a:tbl>
+              <a:tblPr firstCol="1" bandRow="1">
+                <a:tableStyleId>{5C22544A-7EE6-4342-B048-85BDC9FD1C3A}</a:tableStyleId>
+              </a:tblPr>
+              <a:tblGrid>
+                <a:gridCol w="1837880">
+                  <a:extLst>
+                    <a:ext uri="{9D8B030D-6E8A-4147-A177-3AD203B41FA5}">
+                      <a16:colId xmlns:a16="http://schemas.microsoft.com/office/drawing/2014/main" val="202487886"/>
+                    </a:ext>
+                  </a:extLst>
+                </a:gridCol>
+                <a:gridCol w="1789061">
+                  <a:extLst>
+                    <a:ext uri="{9D8B030D-6E8A-4147-A177-3AD203B41FA5}">
+                      <a16:colId xmlns:a16="http://schemas.microsoft.com/office/drawing/2014/main" val="1329057522"/>
+                    </a:ext>
+                  </a:extLst>
+                </a:gridCol>
+              </a:tblGrid>
+              <a:tr h="365092">
+                <a:tc>
+                  <a:txBody>
+                    <a:bodyPr/>
+                    <a:lstStyle/>
+                    <a:p>
+                      <a:r>
+                        <a:rPr lang="en-US" altLang="zh-CN" sz="1400" dirty="0"/>
+                        <a:t>gmp_main.cpp</a:t>
+                      </a:r>
+                      <a:endParaRPr lang="zh-CN" altLang="en-US" sz="1400" dirty="0"/>
+                    </a:p>
+                  </a:txBody>
+                  <a:tcPr anchor="ctr"/>
+                </a:tc>
+                <a:tc>
+                  <a:txBody>
+                    <a:bodyPr/>
+                    <a:lstStyle/>
+                    <a:p>
+                      <a:r>
+                        <a:rPr lang="en-US" altLang="zh-CN" sz="1400" b="0" kern="1200" dirty="0" err="1">
+                          <a:solidFill>
+                            <a:schemeClr val="dk1"/>
+                          </a:solidFill>
+                          <a:effectLst/>
+                          <a:latin typeface="+mn-lt"/>
+                          <a:ea typeface="+mn-ea"/>
+                          <a:cs typeface="+mn-cs"/>
+                        </a:rPr>
+                        <a:t>gmp_dbg_prt</a:t>
+                      </a:r>
+                      <a:endParaRPr lang="en-US" altLang="zh-CN" sz="1400" b="0" kern="1200" dirty="0">
+                        <a:solidFill>
+                          <a:schemeClr val="dk1"/>
+                        </a:solidFill>
+                        <a:effectLst/>
+                        <a:latin typeface="+mn-lt"/>
+                        <a:ea typeface="+mn-ea"/>
+                        <a:cs typeface="+mn-cs"/>
+                      </a:endParaRPr>
+                    </a:p>
+                  </a:txBody>
+                  <a:tcPr anchor="ctr"/>
+                </a:tc>
+                <a:extLst>
+                  <a:ext uri="{0D108BD9-81ED-4DB2-BD59-A6C34878D82A}">
+                    <a16:rowId xmlns:a16="http://schemas.microsoft.com/office/drawing/2014/main" val="832487418"/>
+                  </a:ext>
+                </a:extLst>
+              </a:tr>
+            </a:tbl>
+          </a:graphicData>
+        </a:graphic>
+      </p:graphicFrame>
+      <p:sp>
+        <p:nvSpPr>
+          <p:cNvPr id="15" name="右中括号 14">
+            <a:extLst>
+              <a:ext uri="{FF2B5EF4-FFF2-40B4-BE49-F238E27FC236}">
+                <a16:creationId xmlns:a16="http://schemas.microsoft.com/office/drawing/2014/main" id="{112B7AE9-5C10-43F8-AE5E-C96C4FA549A7}"/>
+              </a:ext>
+            </a:extLst>
+          </p:cNvPr>
+          <p:cNvSpPr/>
+          <p:nvPr/>
+        </p:nvSpPr>
+        <p:spPr>
+          <a:xfrm>
+            <a:off x="5846127" y="1574692"/>
+            <a:ext cx="78404" cy="1894135"/>
+          </a:xfrm>
+          <a:prstGeom prst="rightBracket">
+            <a:avLst/>
+          </a:prstGeom>
+        </p:spPr>
+        <p:style>
+          <a:lnRef idx="1">
+            <a:schemeClr val="accent1"/>
+          </a:lnRef>
+          <a:fillRef idx="0">
+            <a:schemeClr val="accent1"/>
+          </a:fillRef>
+          <a:effectRef idx="0">
+            <a:schemeClr val="accent1"/>
+          </a:effectRef>
+          <a:fontRef idx="minor">
+            <a:schemeClr val="tx1"/>
+          </a:fontRef>
+        </p:style>
+        <p:txBody>
+          <a:bodyPr rtlCol="0" anchor="ctr"/>
+          <a:lstStyle/>
+          <a:p>
+            <a:pPr algn="ctr"/>
+            <a:endParaRPr lang="zh-CN" altLang="en-US"/>
+          </a:p>
+        </p:txBody>
+      </p:sp>
+      <p:sp>
+        <p:nvSpPr>
+          <p:cNvPr id="16" name="文本框 15">
+            <a:extLst>
+              <a:ext uri="{FF2B5EF4-FFF2-40B4-BE49-F238E27FC236}">
+                <a16:creationId xmlns:a16="http://schemas.microsoft.com/office/drawing/2014/main" id="{1F620431-F7C3-44EE-92BC-4D8B48478900}"/>
+              </a:ext>
+            </a:extLst>
+          </p:cNvPr>
+          <p:cNvSpPr txBox="1"/>
+          <p:nvPr/>
+        </p:nvSpPr>
+        <p:spPr>
+          <a:xfrm>
+            <a:off x="291830" y="243191"/>
+            <a:ext cx="5392823" cy="369332"/>
+          </a:xfrm>
+          <a:prstGeom prst="rect">
+            <a:avLst/>
+          </a:prstGeom>
+          <a:noFill/>
+        </p:spPr>
+        <p:txBody>
+          <a:bodyPr wrap="none" rtlCol="0">
+            <a:spAutoFit/>
+          </a:bodyPr>
+          <a:lstStyle/>
+          <a:p>
+            <a:r>
+              <a:rPr lang="en-US" altLang="zh-CN" dirty="0"/>
+              <a:t>Basic Invoke Structure of Controller Nano framework</a:t>
+            </a:r>
+            <a:endParaRPr lang="zh-CN" altLang="en-US" dirty="0"/>
+          </a:p>
+        </p:txBody>
+      </p:sp>
+    </p:spTree>
+    <p:extLst>
+      <p:ext uri="{BB962C8B-B14F-4D97-AF65-F5344CB8AC3E}">
+        <p14:creationId xmlns:p14="http://schemas.microsoft.com/office/powerpoint/2010/main" val="1799590669"/>
+      </p:ext>
+    </p:extLst>
+  </p:cSld>
+  <p:clrMapOvr>
+    <a:masterClrMapping/>
+  </p:clrMapOvr>
+</p:sld>
+</file>
+
+<file path=ppt/slides/slide8.xml><?xml version="1.0" encoding="utf-8"?>
+<p:sld xmlns:a="http://schemas.openxmlformats.org/drawingml/2006/main" xmlns:r="http://schemas.openxmlformats.org/officeDocument/2006/relationships" xmlns:p="http://schemas.openxmlformats.org/presentationml/2006/main">
+  <p:cSld>
+    <p:spTree>
+      <p:nvGrpSpPr>
+        <p:cNvPr id="1" name=""/>
+        <p:cNvGrpSpPr/>
+        <p:nvPr/>
+      </p:nvGrpSpPr>
+      <p:grpSpPr>
+        <a:xfrm>
+          <a:off x="0" y="0"/>
+          <a:ext cx="0" cy="0"/>
+          <a:chOff x="0" y="0"/>
+          <a:chExt cx="0" cy="0"/>
+        </a:xfrm>
+      </p:grpSpPr>
+      <p:sp>
+        <p:nvSpPr>
+          <p:cNvPr id="2" name="文本框 1">
+            <a:extLst>
+              <a:ext uri="{FF2B5EF4-FFF2-40B4-BE49-F238E27FC236}">
+                <a16:creationId xmlns:a16="http://schemas.microsoft.com/office/drawing/2014/main" id="{95095BB8-0816-4CDC-8BA3-BE09ABA6BF79}"/>
+              </a:ext>
+            </a:extLst>
+          </p:cNvPr>
+          <p:cNvSpPr txBox="1"/>
+          <p:nvPr/>
+        </p:nvSpPr>
+        <p:spPr>
+          <a:xfrm>
+            <a:off x="291830" y="243191"/>
+            <a:ext cx="5392823" cy="369332"/>
+          </a:xfrm>
+          <a:prstGeom prst="rect">
+            <a:avLst/>
+          </a:prstGeom>
+          <a:noFill/>
+        </p:spPr>
+        <p:txBody>
+          <a:bodyPr wrap="none" rtlCol="0">
+            <a:spAutoFit/>
+          </a:bodyPr>
+          <a:lstStyle/>
+          <a:p>
+            <a:r>
+              <a:rPr lang="en-US" altLang="zh-CN" dirty="0"/>
+              <a:t>Basic Invoke Structure of Controller Nano framework</a:t>
+            </a:r>
+            <a:endParaRPr lang="zh-CN" altLang="en-US" dirty="0"/>
+          </a:p>
+        </p:txBody>
+      </p:sp>
+      <p:sp>
+        <p:nvSpPr>
+          <p:cNvPr id="6" name="箭头: 下 5">
+            <a:extLst>
+              <a:ext uri="{FF2B5EF4-FFF2-40B4-BE49-F238E27FC236}">
+                <a16:creationId xmlns:a16="http://schemas.microsoft.com/office/drawing/2014/main" id="{FAF310AB-8D56-4628-A0E2-58C3E751FDF0}"/>
+              </a:ext>
+            </a:extLst>
+          </p:cNvPr>
+          <p:cNvSpPr/>
+          <p:nvPr/>
+        </p:nvSpPr>
+        <p:spPr>
+          <a:xfrm>
+            <a:off x="832861" y="1136340"/>
+            <a:ext cx="573932" cy="5009745"/>
+          </a:xfrm>
+          <a:prstGeom prst="downArrow">
+            <a:avLst/>
+          </a:prstGeom>
+          <a:gradFill>
+            <a:gsLst>
+              <a:gs pos="0">
+                <a:schemeClr val="accent1">
+                  <a:lumMod val="5000"/>
+                  <a:lumOff val="95000"/>
+                </a:schemeClr>
+              </a:gs>
+              <a:gs pos="74000">
+                <a:schemeClr val="accent2">
+                  <a:lumMod val="20000"/>
+                  <a:lumOff val="80000"/>
+                </a:schemeClr>
+              </a:gs>
+              <a:gs pos="100000">
+                <a:schemeClr val="accent2">
+                  <a:lumMod val="40000"/>
+                  <a:lumOff val="60000"/>
+                </a:schemeClr>
+              </a:gs>
+            </a:gsLst>
+            <a:lin ang="5400000" scaled="1"/>
+          </a:gradFill>
+          <a:ln>
+            <a:noFill/>
+          </a:ln>
+        </p:spPr>
+        <p:style>
+          <a:lnRef idx="2">
+            <a:schemeClr val="accent1">
+              <a:shade val="50000"/>
+            </a:schemeClr>
+          </a:lnRef>
+          <a:fillRef idx="1">
+            <a:schemeClr val="accent1"/>
+          </a:fillRef>
+          <a:effectRef idx="0">
+            <a:schemeClr val="accent1"/>
+          </a:effectRef>
+          <a:fontRef idx="minor">
+            <a:schemeClr val="lt1"/>
+          </a:fontRef>
+        </p:style>
+        <p:txBody>
+          <a:bodyPr rtlCol="0" anchor="ctr"/>
+          <a:lstStyle/>
+          <a:p>
+            <a:pPr algn="ctr"/>
+            <a:endParaRPr lang="zh-CN" altLang="en-US"/>
+          </a:p>
+        </p:txBody>
+      </p:sp>
+      <p:sp>
+        <p:nvSpPr>
+          <p:cNvPr id="7" name="箭头: 下 6">
+            <a:extLst>
+              <a:ext uri="{FF2B5EF4-FFF2-40B4-BE49-F238E27FC236}">
+                <a16:creationId xmlns:a16="http://schemas.microsoft.com/office/drawing/2014/main" id="{A5D93823-F20B-4934-9CFB-DCA32E3E3524}"/>
+              </a:ext>
+            </a:extLst>
+          </p:cNvPr>
+          <p:cNvSpPr/>
+          <p:nvPr/>
+        </p:nvSpPr>
+        <p:spPr>
+          <a:xfrm>
+            <a:off x="6609386" y="1126292"/>
+            <a:ext cx="573932" cy="5009745"/>
+          </a:xfrm>
+          <a:prstGeom prst="downArrow">
+            <a:avLst/>
+          </a:prstGeom>
+          <a:gradFill>
+            <a:gsLst>
+              <a:gs pos="0">
+                <a:schemeClr val="accent1">
+                  <a:lumMod val="5000"/>
+                  <a:lumOff val="95000"/>
+                </a:schemeClr>
+              </a:gs>
+              <a:gs pos="74000">
+                <a:schemeClr val="accent6">
+                  <a:lumMod val="20000"/>
+                  <a:lumOff val="80000"/>
+                </a:schemeClr>
+              </a:gs>
+              <a:gs pos="100000">
+                <a:schemeClr val="accent6">
+                  <a:lumMod val="40000"/>
+                  <a:lumOff val="60000"/>
+                </a:schemeClr>
+              </a:gs>
+            </a:gsLst>
+            <a:lin ang="5400000" scaled="1"/>
+          </a:gradFill>
+          <a:ln>
+            <a:noFill/>
+          </a:ln>
+        </p:spPr>
+        <p:style>
+          <a:lnRef idx="2">
+            <a:schemeClr val="accent1">
+              <a:shade val="50000"/>
+            </a:schemeClr>
+          </a:lnRef>
+          <a:fillRef idx="1">
+            <a:schemeClr val="accent1"/>
+          </a:fillRef>
+          <a:effectRef idx="0">
+            <a:schemeClr val="accent1"/>
+          </a:effectRef>
+          <a:fontRef idx="minor">
+            <a:schemeClr val="lt1"/>
+          </a:fontRef>
+        </p:style>
+        <p:txBody>
+          <a:bodyPr rtlCol="0" anchor="ctr"/>
+          <a:lstStyle/>
+          <a:p>
+            <a:pPr algn="ctr"/>
+            <a:endParaRPr lang="zh-CN" altLang="en-US"/>
+          </a:p>
+        </p:txBody>
+      </p:sp>
+      <p:sp>
+        <p:nvSpPr>
+          <p:cNvPr id="9" name="文本框 8">
+            <a:extLst>
+              <a:ext uri="{FF2B5EF4-FFF2-40B4-BE49-F238E27FC236}">
+                <a16:creationId xmlns:a16="http://schemas.microsoft.com/office/drawing/2014/main" id="{2E5D746D-4AE3-4754-887A-90892F21D97B}"/>
+              </a:ext>
+            </a:extLst>
+          </p:cNvPr>
+          <p:cNvSpPr txBox="1"/>
+          <p:nvPr/>
+        </p:nvSpPr>
+        <p:spPr>
+          <a:xfrm>
+            <a:off x="1213818" y="6146086"/>
+            <a:ext cx="2069797" cy="369332"/>
+          </a:xfrm>
+          <a:prstGeom prst="rect">
+            <a:avLst/>
+          </a:prstGeom>
+          <a:noFill/>
+        </p:spPr>
+        <p:txBody>
+          <a:bodyPr wrap="none" rtlCol="0">
+            <a:spAutoFit/>
+          </a:bodyPr>
+          <a:lstStyle/>
+          <a:p>
+            <a:r>
+              <a:rPr lang="en-US" altLang="zh-CN" dirty="0"/>
+              <a:t>Main-loop Routine</a:t>
+            </a:r>
+            <a:endParaRPr lang="zh-CN" altLang="en-US" dirty="0"/>
+          </a:p>
+        </p:txBody>
+      </p:sp>
+      <p:sp>
+        <p:nvSpPr>
+          <p:cNvPr id="10" name="文本框 9">
+            <a:extLst>
+              <a:ext uri="{FF2B5EF4-FFF2-40B4-BE49-F238E27FC236}">
+                <a16:creationId xmlns:a16="http://schemas.microsoft.com/office/drawing/2014/main" id="{55FFFFD6-90F6-441E-BC52-33F745087787}"/>
+              </a:ext>
+            </a:extLst>
+          </p:cNvPr>
+          <p:cNvSpPr txBox="1"/>
+          <p:nvPr/>
+        </p:nvSpPr>
+        <p:spPr>
+          <a:xfrm>
+            <a:off x="5931985" y="6146086"/>
+            <a:ext cx="1928733" cy="369332"/>
+          </a:xfrm>
+          <a:prstGeom prst="rect">
+            <a:avLst/>
+          </a:prstGeom>
+          <a:noFill/>
+        </p:spPr>
+        <p:txBody>
+          <a:bodyPr wrap="none" rtlCol="0">
+            <a:spAutoFit/>
+          </a:bodyPr>
+          <a:lstStyle/>
+          <a:p>
+            <a:r>
+              <a:rPr lang="en-US" altLang="zh-CN" dirty="0"/>
+              <a:t>Main-ISR Routine</a:t>
+            </a:r>
+            <a:endParaRPr lang="zh-CN" altLang="en-US" dirty="0"/>
+          </a:p>
+        </p:txBody>
+      </p:sp>
+      <p:graphicFrame>
+        <p:nvGraphicFramePr>
+          <p:cNvPr id="25" name="表格 24">
+            <a:extLst>
+              <a:ext uri="{FF2B5EF4-FFF2-40B4-BE49-F238E27FC236}">
+                <a16:creationId xmlns:a16="http://schemas.microsoft.com/office/drawing/2014/main" id="{882DA55F-6240-4D1E-8549-1FB5D0B47D43}"/>
+              </a:ext>
+            </a:extLst>
+          </p:cNvPr>
+          <p:cNvGraphicFramePr>
+            <a:graphicFrameLocks noGrp="1"/>
+          </p:cNvGraphicFramePr>
+          <p:nvPr>
+            <p:extLst>
+              <p:ext uri="{D42A27DB-BD31-4B8C-83A1-F6EECF244321}">
+                <p14:modId xmlns:p14="http://schemas.microsoft.com/office/powerpoint/2010/main" val="3458681396"/>
+              </p:ext>
+            </p:extLst>
+          </p:nvPr>
+        </p:nvGraphicFramePr>
+        <p:xfrm>
+          <a:off x="832861" y="1121094"/>
+          <a:ext cx="3626941" cy="365092"/>
+        </p:xfrm>
+        <a:graphic>
+          <a:graphicData uri="http://schemas.openxmlformats.org/drawingml/2006/table">
+            <a:tbl>
+              <a:tblPr firstCol="1" bandRow="1">
+                <a:tableStyleId>{5C22544A-7EE6-4342-B048-85BDC9FD1C3A}</a:tableStyleId>
+              </a:tblPr>
+              <a:tblGrid>
+                <a:gridCol w="1837880">
+                  <a:extLst>
+                    <a:ext uri="{9D8B030D-6E8A-4147-A177-3AD203B41FA5}">
+                      <a16:colId xmlns:a16="http://schemas.microsoft.com/office/drawing/2014/main" val="202487886"/>
+                    </a:ext>
+                  </a:extLst>
+                </a:gridCol>
+                <a:gridCol w="1789061">
+                  <a:extLst>
+                    <a:ext uri="{9D8B030D-6E8A-4147-A177-3AD203B41FA5}">
+                      <a16:colId xmlns:a16="http://schemas.microsoft.com/office/drawing/2014/main" val="1329057522"/>
+                    </a:ext>
+                  </a:extLst>
+                </a:gridCol>
+              </a:tblGrid>
+              <a:tr h="365092">
+                <a:tc>
+                  <a:txBody>
+                    <a:bodyPr/>
+                    <a:lstStyle/>
+                    <a:p>
+                      <a:r>
+                        <a:rPr lang="en-US" altLang="zh-CN" sz="1400" dirty="0"/>
+                        <a:t>gmp_main.cpp</a:t>
+                      </a:r>
+                      <a:endParaRPr lang="zh-CN" altLang="en-US" sz="1400" dirty="0"/>
+                    </a:p>
+                  </a:txBody>
+                  <a:tcPr anchor="ctr"/>
+                </a:tc>
+                <a:tc>
+                  <a:txBody>
+                    <a:bodyPr/>
+                    <a:lstStyle/>
+                    <a:p>
+                      <a:r>
+                        <a:rPr lang="en-US" altLang="zh-CN" sz="1400" b="0" kern="1200" dirty="0">
+                          <a:solidFill>
+                            <a:schemeClr val="dk1"/>
+                          </a:solidFill>
+                          <a:effectLst/>
+                          <a:latin typeface="+mn-lt"/>
+                          <a:ea typeface="+mn-ea"/>
+                          <a:cs typeface="+mn-cs"/>
+                        </a:rPr>
+                        <a:t>Entry loop Section</a:t>
+                      </a:r>
+                    </a:p>
+                  </a:txBody>
+                  <a:tcPr anchor="ctr"/>
+                </a:tc>
+                <a:extLst>
+                  <a:ext uri="{0D108BD9-81ED-4DB2-BD59-A6C34878D82A}">
+                    <a16:rowId xmlns:a16="http://schemas.microsoft.com/office/drawing/2014/main" val="832487418"/>
+                  </a:ext>
+                </a:extLst>
+              </a:tr>
+            </a:tbl>
+          </a:graphicData>
+        </a:graphic>
+      </p:graphicFrame>
+      <p:graphicFrame>
+        <p:nvGraphicFramePr>
+          <p:cNvPr id="26" name="表格 25">
+            <a:extLst>
+              <a:ext uri="{FF2B5EF4-FFF2-40B4-BE49-F238E27FC236}">
+                <a16:creationId xmlns:a16="http://schemas.microsoft.com/office/drawing/2014/main" id="{2EA92656-8B51-44A2-8C62-0D702CF537B9}"/>
+              </a:ext>
+            </a:extLst>
+          </p:cNvPr>
+          <p:cNvGraphicFramePr>
+            <a:graphicFrameLocks noGrp="1"/>
+          </p:cNvGraphicFramePr>
+          <p:nvPr>
+            <p:extLst>
+              <p:ext uri="{D42A27DB-BD31-4B8C-83A1-F6EECF244321}">
+                <p14:modId xmlns:p14="http://schemas.microsoft.com/office/powerpoint/2010/main" val="4154901018"/>
+              </p:ext>
+            </p:extLst>
+          </p:nvPr>
+        </p:nvGraphicFramePr>
+        <p:xfrm>
+          <a:off x="1180894" y="1505119"/>
+          <a:ext cx="3626941" cy="365092"/>
+        </p:xfrm>
+        <a:graphic>
+          <a:graphicData uri="http://schemas.openxmlformats.org/drawingml/2006/table">
+            <a:tbl>
+              <a:tblPr firstCol="1" bandRow="1">
+                <a:tableStyleId>{5C22544A-7EE6-4342-B048-85BDC9FD1C3A}</a:tableStyleId>
+              </a:tblPr>
+              <a:tblGrid>
+                <a:gridCol w="1837880">
+                  <a:extLst>
+                    <a:ext uri="{9D8B030D-6E8A-4147-A177-3AD203B41FA5}">
+                      <a16:colId xmlns:a16="http://schemas.microsoft.com/office/drawing/2014/main" val="202487886"/>
+                    </a:ext>
+                  </a:extLst>
+                </a:gridCol>
+                <a:gridCol w="1789061">
+                  <a:extLst>
+                    <a:ext uri="{9D8B030D-6E8A-4147-A177-3AD203B41FA5}">
+                      <a16:colId xmlns:a16="http://schemas.microsoft.com/office/drawing/2014/main" val="1329057522"/>
+                    </a:ext>
+                  </a:extLst>
+                </a:gridCol>
+              </a:tblGrid>
+              <a:tr h="365092">
+                <a:tc>
+                  <a:txBody>
+                    <a:bodyPr/>
+                    <a:lstStyle/>
+                    <a:p>
+                      <a:r>
+                        <a:rPr lang="en-US" altLang="zh-CN" sz="1400" dirty="0"/>
+                        <a:t>gmp_main.cpp</a:t>
+                      </a:r>
+                      <a:endParaRPr lang="zh-CN" altLang="en-US" sz="1400" dirty="0"/>
+                    </a:p>
+                  </a:txBody>
+                  <a:tcPr anchor="ctr"/>
+                </a:tc>
+                <a:tc>
+                  <a:txBody>
+                    <a:bodyPr/>
+                    <a:lstStyle/>
+                    <a:p>
+                      <a:r>
+                        <a:rPr lang="en-US" altLang="zh-CN" sz="1400" b="0" kern="1200" dirty="0" err="1">
+                          <a:solidFill>
+                            <a:schemeClr val="dk1"/>
+                          </a:solidFill>
+                          <a:effectLst/>
+                          <a:latin typeface="+mn-lt"/>
+                          <a:ea typeface="+mn-ea"/>
+                          <a:cs typeface="+mn-cs"/>
+                        </a:rPr>
+                        <a:t>gmp_loop</a:t>
+                      </a:r>
+                      <a:endParaRPr lang="en-US" altLang="zh-CN" sz="1400" b="0" kern="1200" dirty="0">
+                        <a:solidFill>
+                          <a:schemeClr val="dk1"/>
+                        </a:solidFill>
+                        <a:effectLst/>
+                        <a:latin typeface="+mn-lt"/>
+                        <a:ea typeface="+mn-ea"/>
+                        <a:cs typeface="+mn-cs"/>
+                      </a:endParaRPr>
+                    </a:p>
+                  </a:txBody>
+                  <a:tcPr anchor="ctr"/>
+                </a:tc>
+                <a:extLst>
+                  <a:ext uri="{0D108BD9-81ED-4DB2-BD59-A6C34878D82A}">
+                    <a16:rowId xmlns:a16="http://schemas.microsoft.com/office/drawing/2014/main" val="832487418"/>
+                  </a:ext>
+                </a:extLst>
+              </a:tr>
+            </a:tbl>
+          </a:graphicData>
+        </a:graphic>
+      </p:graphicFrame>
+      <p:graphicFrame>
+        <p:nvGraphicFramePr>
+          <p:cNvPr id="27" name="表格 26">
+            <a:extLst>
+              <a:ext uri="{FF2B5EF4-FFF2-40B4-BE49-F238E27FC236}">
+                <a16:creationId xmlns:a16="http://schemas.microsoft.com/office/drawing/2014/main" id="{8112D60C-FBBA-4DAB-85B5-407A8001EFE9}"/>
+              </a:ext>
+            </a:extLst>
+          </p:cNvPr>
+          <p:cNvGraphicFramePr>
+            <a:graphicFrameLocks noGrp="1"/>
+          </p:cNvGraphicFramePr>
+          <p:nvPr>
+            <p:extLst>
+              <p:ext uri="{D42A27DB-BD31-4B8C-83A1-F6EECF244321}">
+                <p14:modId xmlns:p14="http://schemas.microsoft.com/office/powerpoint/2010/main" val="33601038"/>
+              </p:ext>
+            </p:extLst>
+          </p:nvPr>
+        </p:nvGraphicFramePr>
+        <p:xfrm>
+          <a:off x="1483971" y="3021938"/>
+          <a:ext cx="3626941" cy="365092"/>
+        </p:xfrm>
+        <a:graphic>
+          <a:graphicData uri="http://schemas.openxmlformats.org/drawingml/2006/table">
+            <a:tbl>
+              <a:tblPr firstCol="1" bandRow="1">
+                <a:tableStyleId>{5C22544A-7EE6-4342-B048-85BDC9FD1C3A}</a:tableStyleId>
+              </a:tblPr>
+              <a:tblGrid>
+                <a:gridCol w="1642253">
+                  <a:extLst>
+                    <a:ext uri="{9D8B030D-6E8A-4147-A177-3AD203B41FA5}">
+                      <a16:colId xmlns:a16="http://schemas.microsoft.com/office/drawing/2014/main" val="202487886"/>
+                    </a:ext>
+                  </a:extLst>
+                </a:gridCol>
+                <a:gridCol w="1984688">
+                  <a:extLst>
+                    <a:ext uri="{9D8B030D-6E8A-4147-A177-3AD203B41FA5}">
+                      <a16:colId xmlns:a16="http://schemas.microsoft.com/office/drawing/2014/main" val="1329057522"/>
+                    </a:ext>
+                  </a:extLst>
+                </a:gridCol>
+              </a:tblGrid>
+              <a:tr h="365092">
+                <a:tc>
+                  <a:txBody>
+                    <a:bodyPr/>
+                    <a:lstStyle/>
+                    <a:p>
+                      <a:r>
+                        <a:rPr lang="en-US" altLang="zh-CN" sz="1400" dirty="0" err="1"/>
+                        <a:t>ctl_nano.c</a:t>
+                      </a:r>
+                      <a:endParaRPr lang="zh-CN" altLang="en-US" sz="1400" dirty="0"/>
+                    </a:p>
+                  </a:txBody>
+                  <a:tcPr anchor="ctr">
+                    <a:solidFill>
+                      <a:schemeClr val="accent2"/>
+                    </a:solidFill>
+                  </a:tcPr>
+                </a:tc>
+                <a:tc>
+                  <a:txBody>
+                    <a:bodyPr/>
+                    <a:lstStyle/>
+                    <a:p>
+                      <a:r>
+                        <a:rPr lang="en-US" altLang="zh-CN" sz="1200" b="0" kern="1200" dirty="0" err="1">
+                          <a:solidFill>
+                            <a:schemeClr val="dk1"/>
+                          </a:solidFill>
+                          <a:effectLst/>
+                          <a:latin typeface="+mn-lt"/>
+                          <a:ea typeface="+mn-ea"/>
+                          <a:cs typeface="+mn-cs"/>
+                        </a:rPr>
+                        <a:t>controller_state_dispatch</a:t>
+                      </a:r>
+                      <a:endParaRPr lang="en-US" altLang="zh-CN" sz="1200" b="0" kern="1200" dirty="0">
+                        <a:solidFill>
+                          <a:schemeClr val="dk1"/>
+                        </a:solidFill>
+                        <a:effectLst/>
+                        <a:latin typeface="+mn-lt"/>
+                        <a:ea typeface="+mn-ea"/>
+                        <a:cs typeface="+mn-cs"/>
+                      </a:endParaRPr>
+                    </a:p>
+                  </a:txBody>
+                  <a:tcPr anchor="ctr">
+                    <a:solidFill>
+                      <a:schemeClr val="accent2">
+                        <a:lumMod val="20000"/>
+                        <a:lumOff val="80000"/>
+                      </a:schemeClr>
+                    </a:solidFill>
+                  </a:tcPr>
+                </a:tc>
+                <a:extLst>
+                  <a:ext uri="{0D108BD9-81ED-4DB2-BD59-A6C34878D82A}">
+                    <a16:rowId xmlns:a16="http://schemas.microsoft.com/office/drawing/2014/main" val="832487418"/>
+                  </a:ext>
+                </a:extLst>
+              </a:tr>
+            </a:tbl>
+          </a:graphicData>
+        </a:graphic>
+      </p:graphicFrame>
+      <p:graphicFrame>
+        <p:nvGraphicFramePr>
+          <p:cNvPr id="28" name="表格 27">
+            <a:extLst>
+              <a:ext uri="{FF2B5EF4-FFF2-40B4-BE49-F238E27FC236}">
+                <a16:creationId xmlns:a16="http://schemas.microsoft.com/office/drawing/2014/main" id="{A66D4574-8B56-42B1-9CB4-8FF97CC1573F}"/>
+              </a:ext>
+            </a:extLst>
+          </p:cNvPr>
+          <p:cNvGraphicFramePr>
+            <a:graphicFrameLocks noGrp="1"/>
+          </p:cNvGraphicFramePr>
+          <p:nvPr>
+            <p:extLst>
+              <p:ext uri="{D42A27DB-BD31-4B8C-83A1-F6EECF244321}">
+                <p14:modId xmlns:p14="http://schemas.microsoft.com/office/powerpoint/2010/main" val="4182213892"/>
+              </p:ext>
+            </p:extLst>
+          </p:nvPr>
+        </p:nvGraphicFramePr>
+        <p:xfrm>
+          <a:off x="1180894" y="2643111"/>
+          <a:ext cx="3626941" cy="383319"/>
+        </p:xfrm>
+        <a:graphic>
+          <a:graphicData uri="http://schemas.openxmlformats.org/drawingml/2006/table">
+            <a:tbl>
+              <a:tblPr firstCol="1" bandRow="1">
+                <a:tableStyleId>{5C22544A-7EE6-4342-B048-85BDC9FD1C3A}</a:tableStyleId>
+              </a:tblPr>
+              <a:tblGrid>
+                <a:gridCol w="1837880">
+                  <a:extLst>
+                    <a:ext uri="{9D8B030D-6E8A-4147-A177-3AD203B41FA5}">
+                      <a16:colId xmlns:a16="http://schemas.microsoft.com/office/drawing/2014/main" val="202487886"/>
+                    </a:ext>
+                  </a:extLst>
+                </a:gridCol>
+                <a:gridCol w="1789061">
+                  <a:extLst>
+                    <a:ext uri="{9D8B030D-6E8A-4147-A177-3AD203B41FA5}">
+                      <a16:colId xmlns:a16="http://schemas.microsoft.com/office/drawing/2014/main" val="1329057522"/>
+                    </a:ext>
+                  </a:extLst>
+                </a:gridCol>
+              </a:tblGrid>
+              <a:tr h="383319">
+                <a:tc>
+                  <a:txBody>
+                    <a:bodyPr/>
+                    <a:lstStyle/>
+                    <a:p>
+                      <a:r>
+                        <a:rPr lang="en-US" altLang="zh-CN" sz="1400" dirty="0"/>
+                        <a:t>ctl_main.cpp</a:t>
+                      </a:r>
+                      <a:endParaRPr lang="zh-CN" altLang="en-US" sz="1400" dirty="0"/>
+                    </a:p>
+                  </a:txBody>
+                  <a:tcPr anchor="ctr">
+                    <a:solidFill>
+                      <a:schemeClr val="accent3">
+                        <a:lumMod val="75000"/>
+                      </a:schemeClr>
+                    </a:solidFill>
+                  </a:tcPr>
+                </a:tc>
+                <a:tc>
+                  <a:txBody>
+                    <a:bodyPr/>
+                    <a:lstStyle/>
+                    <a:p>
+                      <a:r>
+                        <a:rPr lang="en-US" altLang="zh-CN" sz="1400" b="0" kern="1200" dirty="0" err="1">
+                          <a:solidFill>
+                            <a:schemeClr val="dk1"/>
+                          </a:solidFill>
+                          <a:effectLst/>
+                          <a:latin typeface="+mn-lt"/>
+                          <a:ea typeface="+mn-ea"/>
+                          <a:cs typeface="+mn-cs"/>
+                        </a:rPr>
+                        <a:t>ctl_loop</a:t>
+                      </a:r>
+                      <a:endParaRPr lang="en-US" altLang="zh-CN" sz="1400" b="0" kern="1200" dirty="0">
+                        <a:solidFill>
+                          <a:schemeClr val="dk1"/>
+                        </a:solidFill>
+                        <a:effectLst/>
+                        <a:latin typeface="+mn-lt"/>
+                        <a:ea typeface="+mn-ea"/>
+                        <a:cs typeface="+mn-cs"/>
+                      </a:endParaRPr>
+                    </a:p>
+                  </a:txBody>
+                  <a:tcPr anchor="ctr">
+                    <a:solidFill>
+                      <a:schemeClr val="accent3">
+                        <a:lumMod val="40000"/>
+                        <a:lumOff val="60000"/>
+                      </a:schemeClr>
+                    </a:solidFill>
+                  </a:tcPr>
+                </a:tc>
+                <a:extLst>
+                  <a:ext uri="{0D108BD9-81ED-4DB2-BD59-A6C34878D82A}">
+                    <a16:rowId xmlns:a16="http://schemas.microsoft.com/office/drawing/2014/main" val="832487418"/>
+                  </a:ext>
+                </a:extLst>
+              </a:tr>
+            </a:tbl>
+          </a:graphicData>
+        </a:graphic>
+      </p:graphicFrame>
+      <p:graphicFrame>
+        <p:nvGraphicFramePr>
+          <p:cNvPr id="29" name="表格 28">
+            <a:extLst>
+              <a:ext uri="{FF2B5EF4-FFF2-40B4-BE49-F238E27FC236}">
+                <a16:creationId xmlns:a16="http://schemas.microsoft.com/office/drawing/2014/main" id="{BC59DF29-1AB6-4C0A-BE5D-6D9DF680B95A}"/>
+              </a:ext>
+            </a:extLst>
+          </p:cNvPr>
+          <p:cNvGraphicFramePr>
+            <a:graphicFrameLocks noGrp="1"/>
+          </p:cNvGraphicFramePr>
+          <p:nvPr>
+            <p:extLst>
+              <p:ext uri="{D42A27DB-BD31-4B8C-83A1-F6EECF244321}">
+                <p14:modId xmlns:p14="http://schemas.microsoft.com/office/powerpoint/2010/main" val="3793035991"/>
+              </p:ext>
+            </p:extLst>
+          </p:nvPr>
+        </p:nvGraphicFramePr>
+        <p:xfrm>
+          <a:off x="1176379" y="1883946"/>
+          <a:ext cx="3626941" cy="365092"/>
+        </p:xfrm>
+        <a:graphic>
+          <a:graphicData uri="http://schemas.openxmlformats.org/drawingml/2006/table">
+            <a:tbl>
+              <a:tblPr firstCol="1" bandRow="1">
+                <a:tableStyleId>{5C22544A-7EE6-4342-B048-85BDC9FD1C3A}</a:tableStyleId>
+              </a:tblPr>
+              <a:tblGrid>
+                <a:gridCol w="1829823">
+                  <a:extLst>
+                    <a:ext uri="{9D8B030D-6E8A-4147-A177-3AD203B41FA5}">
+                      <a16:colId xmlns:a16="http://schemas.microsoft.com/office/drawing/2014/main" val="202487886"/>
+                    </a:ext>
+                  </a:extLst>
+                </a:gridCol>
+                <a:gridCol w="1797118">
+                  <a:extLst>
+                    <a:ext uri="{9D8B030D-6E8A-4147-A177-3AD203B41FA5}">
+                      <a16:colId xmlns:a16="http://schemas.microsoft.com/office/drawing/2014/main" val="1329057522"/>
+                    </a:ext>
+                  </a:extLst>
+                </a:gridCol>
+              </a:tblGrid>
+              <a:tr h="365092">
+                <a:tc>
+                  <a:txBody>
+                    <a:bodyPr/>
+                    <a:lstStyle/>
+                    <a:p>
+                      <a:r>
+                        <a:rPr lang="en-US" altLang="zh-CN" sz="1400" dirty="0"/>
+                        <a:t>CSP source</a:t>
+                      </a:r>
+                      <a:endParaRPr lang="zh-CN" altLang="en-US" sz="1400" dirty="0"/>
+                    </a:p>
+                  </a:txBody>
+                  <a:tcPr anchor="ctr">
+                    <a:solidFill>
+                      <a:schemeClr val="accent4">
+                        <a:lumMod val="75000"/>
+                      </a:schemeClr>
+                    </a:solidFill>
+                  </a:tcPr>
+                </a:tc>
+                <a:tc>
+                  <a:txBody>
+                    <a:bodyPr/>
+                    <a:lstStyle/>
+                    <a:p>
+                      <a:r>
+                        <a:rPr lang="en-US" altLang="zh-CN" sz="1400" b="0" kern="1200" dirty="0" err="1">
+                          <a:solidFill>
+                            <a:schemeClr val="dk1"/>
+                          </a:solidFill>
+                          <a:effectLst/>
+                          <a:latin typeface="+mn-lt"/>
+                          <a:ea typeface="+mn-ea"/>
+                          <a:cs typeface="+mn-cs"/>
+                        </a:rPr>
+                        <a:t>gmp_csp_loop</a:t>
+                      </a:r>
+                      <a:endParaRPr lang="en-US" altLang="zh-CN" sz="1400" b="0" kern="1200" dirty="0">
+                        <a:solidFill>
+                          <a:schemeClr val="dk1"/>
+                        </a:solidFill>
+                        <a:effectLst/>
+                        <a:latin typeface="+mn-lt"/>
+                        <a:ea typeface="+mn-ea"/>
+                        <a:cs typeface="+mn-cs"/>
+                      </a:endParaRPr>
+                    </a:p>
+                  </a:txBody>
+                  <a:tcPr anchor="ctr">
+                    <a:solidFill>
+                      <a:schemeClr val="accent4">
+                        <a:lumMod val="20000"/>
+                        <a:lumOff val="80000"/>
+                      </a:schemeClr>
+                    </a:solidFill>
+                  </a:tcPr>
+                </a:tc>
+                <a:extLst>
+                  <a:ext uri="{0D108BD9-81ED-4DB2-BD59-A6C34878D82A}">
+                    <a16:rowId xmlns:a16="http://schemas.microsoft.com/office/drawing/2014/main" val="832487418"/>
+                  </a:ext>
+                </a:extLst>
+              </a:tr>
+            </a:tbl>
+          </a:graphicData>
+        </a:graphic>
+      </p:graphicFrame>
+      <p:graphicFrame>
+        <p:nvGraphicFramePr>
+          <p:cNvPr id="33" name="表格 32">
+            <a:extLst>
+              <a:ext uri="{FF2B5EF4-FFF2-40B4-BE49-F238E27FC236}">
+                <a16:creationId xmlns:a16="http://schemas.microsoft.com/office/drawing/2014/main" id="{E0C18C35-5D94-49BA-A08C-B9A3CFCE20AE}"/>
+              </a:ext>
+            </a:extLst>
+          </p:cNvPr>
+          <p:cNvGraphicFramePr>
+            <a:graphicFrameLocks noGrp="1"/>
+          </p:cNvGraphicFramePr>
+          <p:nvPr>
+            <p:extLst>
+              <p:ext uri="{D42A27DB-BD31-4B8C-83A1-F6EECF244321}">
+                <p14:modId xmlns:p14="http://schemas.microsoft.com/office/powerpoint/2010/main" val="1784522895"/>
+              </p:ext>
+            </p:extLst>
+          </p:nvPr>
+        </p:nvGraphicFramePr>
+        <p:xfrm>
+          <a:off x="1176379" y="2267971"/>
+          <a:ext cx="3626941" cy="359894"/>
+        </p:xfrm>
+        <a:graphic>
+          <a:graphicData uri="http://schemas.openxmlformats.org/drawingml/2006/table">
+            <a:tbl>
+              <a:tblPr firstCol="1" bandRow="1">
+                <a:tableStyleId>{5C22544A-7EE6-4342-B048-85BDC9FD1C3A}</a:tableStyleId>
+              </a:tblPr>
+              <a:tblGrid>
+                <a:gridCol w="1837880">
+                  <a:extLst>
+                    <a:ext uri="{9D8B030D-6E8A-4147-A177-3AD203B41FA5}">
+                      <a16:colId xmlns:a16="http://schemas.microsoft.com/office/drawing/2014/main" val="202487886"/>
+                    </a:ext>
+                  </a:extLst>
+                </a:gridCol>
+                <a:gridCol w="1789061">
+                  <a:extLst>
+                    <a:ext uri="{9D8B030D-6E8A-4147-A177-3AD203B41FA5}">
+                      <a16:colId xmlns:a16="http://schemas.microsoft.com/office/drawing/2014/main" val="1329057522"/>
+                    </a:ext>
+                  </a:extLst>
+                </a:gridCol>
+              </a:tblGrid>
+              <a:tr h="359894">
+                <a:tc>
+                  <a:txBody>
+                    <a:bodyPr/>
+                    <a:lstStyle/>
+                    <a:p>
+                      <a:r>
+                        <a:rPr lang="en-US" altLang="zh-CN" sz="1400" dirty="0"/>
+                        <a:t>user_main.cpp</a:t>
+                      </a:r>
+                      <a:endParaRPr lang="zh-CN" altLang="en-US" sz="1400" dirty="0"/>
+                    </a:p>
+                  </a:txBody>
+                  <a:tcPr anchor="ctr">
+                    <a:solidFill>
+                      <a:schemeClr val="accent3">
+                        <a:lumMod val="75000"/>
+                      </a:schemeClr>
+                    </a:solidFill>
+                  </a:tcPr>
+                </a:tc>
+                <a:tc>
+                  <a:txBody>
+                    <a:bodyPr/>
+                    <a:lstStyle/>
+                    <a:p>
+                      <a:r>
+                        <a:rPr lang="en-US" altLang="zh-CN" sz="1400" b="0" kern="1200" dirty="0" err="1">
+                          <a:solidFill>
+                            <a:schemeClr val="dk1"/>
+                          </a:solidFill>
+                          <a:effectLst/>
+                          <a:latin typeface="+mn-lt"/>
+                          <a:ea typeface="+mn-ea"/>
+                          <a:cs typeface="+mn-cs"/>
+                        </a:rPr>
+                        <a:t>user_loop</a:t>
+                      </a:r>
+                      <a:endParaRPr lang="en-US" altLang="zh-CN" sz="1400" b="0" kern="1200" dirty="0">
+                        <a:solidFill>
+                          <a:schemeClr val="dk1"/>
+                        </a:solidFill>
+                        <a:effectLst/>
+                        <a:latin typeface="+mn-lt"/>
+                        <a:ea typeface="+mn-ea"/>
+                        <a:cs typeface="+mn-cs"/>
+                      </a:endParaRPr>
+                    </a:p>
+                  </a:txBody>
+                  <a:tcPr anchor="ctr">
+                    <a:solidFill>
+                      <a:schemeClr val="accent3">
+                        <a:lumMod val="40000"/>
+                        <a:lumOff val="60000"/>
+                      </a:schemeClr>
+                    </a:solidFill>
+                  </a:tcPr>
+                </a:tc>
+                <a:extLst>
+                  <a:ext uri="{0D108BD9-81ED-4DB2-BD59-A6C34878D82A}">
+                    <a16:rowId xmlns:a16="http://schemas.microsoft.com/office/drawing/2014/main" val="832487418"/>
+                  </a:ext>
+                </a:extLst>
+              </a:tr>
+            </a:tbl>
+          </a:graphicData>
+        </a:graphic>
+      </p:graphicFrame>
+      <p:graphicFrame>
+        <p:nvGraphicFramePr>
+          <p:cNvPr id="35" name="表格 34">
+            <a:extLst>
+              <a:ext uri="{FF2B5EF4-FFF2-40B4-BE49-F238E27FC236}">
+                <a16:creationId xmlns:a16="http://schemas.microsoft.com/office/drawing/2014/main" id="{2147B161-2D83-4890-A890-16D1CD796174}"/>
+              </a:ext>
+            </a:extLst>
+          </p:cNvPr>
+          <p:cNvGraphicFramePr>
+            <a:graphicFrameLocks noGrp="1"/>
+          </p:cNvGraphicFramePr>
+          <p:nvPr>
+            <p:extLst>
+              <p:ext uri="{D42A27DB-BD31-4B8C-83A1-F6EECF244321}">
+                <p14:modId xmlns:p14="http://schemas.microsoft.com/office/powerpoint/2010/main" val="2058554308"/>
+              </p:ext>
+            </p:extLst>
+          </p:nvPr>
+        </p:nvGraphicFramePr>
+        <p:xfrm>
+          <a:off x="6609386" y="1140547"/>
+          <a:ext cx="3626941" cy="365092"/>
+        </p:xfrm>
+        <a:graphic>
+          <a:graphicData uri="http://schemas.openxmlformats.org/drawingml/2006/table">
+            <a:tbl>
+              <a:tblPr firstCol="1" bandRow="1">
+                <a:tableStyleId>{5C22544A-7EE6-4342-B048-85BDC9FD1C3A}</a:tableStyleId>
+              </a:tblPr>
+              <a:tblGrid>
+                <a:gridCol w="1837880">
+                  <a:extLst>
+                    <a:ext uri="{9D8B030D-6E8A-4147-A177-3AD203B41FA5}">
+                      <a16:colId xmlns:a16="http://schemas.microsoft.com/office/drawing/2014/main" val="202487886"/>
+                    </a:ext>
+                  </a:extLst>
+                </a:gridCol>
+                <a:gridCol w="1789061">
+                  <a:extLst>
+                    <a:ext uri="{9D8B030D-6E8A-4147-A177-3AD203B41FA5}">
+                      <a16:colId xmlns:a16="http://schemas.microsoft.com/office/drawing/2014/main" val="1329057522"/>
+                    </a:ext>
+                  </a:extLst>
+                </a:gridCol>
+              </a:tblGrid>
+              <a:tr h="365092">
+                <a:tc>
+                  <a:txBody>
+                    <a:bodyPr/>
+                    <a:lstStyle/>
+                    <a:p>
+                      <a:r>
+                        <a:rPr lang="en-US" altLang="zh-CN" sz="1400" dirty="0"/>
+                        <a:t>*</a:t>
+                      </a:r>
+                      <a:endParaRPr lang="zh-CN" altLang="en-US" sz="1400" dirty="0"/>
+                    </a:p>
+                  </a:txBody>
+                  <a:tcPr anchor="ctr"/>
+                </a:tc>
+                <a:tc>
+                  <a:txBody>
+                    <a:bodyPr/>
+                    <a:lstStyle/>
+                    <a:p>
+                      <a:r>
+                        <a:rPr lang="en-US" altLang="zh-CN" sz="1400" b="0" kern="1200" dirty="0">
+                          <a:solidFill>
+                            <a:schemeClr val="dk1"/>
+                          </a:solidFill>
+                          <a:effectLst/>
+                          <a:latin typeface="+mn-lt"/>
+                          <a:ea typeface="+mn-ea"/>
+                          <a:cs typeface="+mn-cs"/>
+                        </a:rPr>
+                        <a:t>Main ISR</a:t>
+                      </a:r>
+                    </a:p>
+                  </a:txBody>
+                  <a:tcPr anchor="ctr"/>
+                </a:tc>
+                <a:extLst>
+                  <a:ext uri="{0D108BD9-81ED-4DB2-BD59-A6C34878D82A}">
+                    <a16:rowId xmlns:a16="http://schemas.microsoft.com/office/drawing/2014/main" val="832487418"/>
+                  </a:ext>
+                </a:extLst>
+              </a:tr>
+            </a:tbl>
+          </a:graphicData>
+        </a:graphic>
+      </p:graphicFrame>
+      <p:graphicFrame>
+        <p:nvGraphicFramePr>
+          <p:cNvPr id="36" name="表格 35">
+            <a:extLst>
+              <a:ext uri="{FF2B5EF4-FFF2-40B4-BE49-F238E27FC236}">
+                <a16:creationId xmlns:a16="http://schemas.microsoft.com/office/drawing/2014/main" id="{6E902481-AF0D-4EA0-8A5E-69B391091EDF}"/>
+              </a:ext>
+            </a:extLst>
+          </p:cNvPr>
+          <p:cNvGraphicFramePr>
+            <a:graphicFrameLocks noGrp="1"/>
+          </p:cNvGraphicFramePr>
+          <p:nvPr>
+            <p:extLst>
+              <p:ext uri="{D42A27DB-BD31-4B8C-83A1-F6EECF244321}">
+                <p14:modId xmlns:p14="http://schemas.microsoft.com/office/powerpoint/2010/main" val="1490807045"/>
+              </p:ext>
+            </p:extLst>
+          </p:nvPr>
+        </p:nvGraphicFramePr>
+        <p:xfrm>
+          <a:off x="6952904" y="1519520"/>
+          <a:ext cx="3626941" cy="383319"/>
+        </p:xfrm>
+        <a:graphic>
+          <a:graphicData uri="http://schemas.openxmlformats.org/drawingml/2006/table">
+            <a:tbl>
+              <a:tblPr firstCol="1" bandRow="1">
+                <a:tableStyleId>{5C22544A-7EE6-4342-B048-85BDC9FD1C3A}</a:tableStyleId>
+              </a:tblPr>
+              <a:tblGrid>
+                <a:gridCol w="1837880">
+                  <a:extLst>
+                    <a:ext uri="{9D8B030D-6E8A-4147-A177-3AD203B41FA5}">
+                      <a16:colId xmlns:a16="http://schemas.microsoft.com/office/drawing/2014/main" val="202487886"/>
+                    </a:ext>
+                  </a:extLst>
+                </a:gridCol>
+                <a:gridCol w="1789061">
+                  <a:extLst>
+                    <a:ext uri="{9D8B030D-6E8A-4147-A177-3AD203B41FA5}">
+                      <a16:colId xmlns:a16="http://schemas.microsoft.com/office/drawing/2014/main" val="1329057522"/>
+                    </a:ext>
+                  </a:extLst>
+                </a:gridCol>
+              </a:tblGrid>
+              <a:tr h="383319">
+                <a:tc>
+                  <a:txBody>
+                    <a:bodyPr/>
+                    <a:lstStyle/>
+                    <a:p>
+                      <a:r>
+                        <a:rPr lang="en-US" altLang="zh-CN" sz="1400" dirty="0"/>
+                        <a:t>ctl_main.cpp</a:t>
+                      </a:r>
+                      <a:endParaRPr lang="zh-CN" altLang="en-US" sz="1400" dirty="0"/>
+                    </a:p>
+                  </a:txBody>
+                  <a:tcPr anchor="ctr">
+                    <a:solidFill>
+                      <a:schemeClr val="accent3">
+                        <a:lumMod val="75000"/>
+                      </a:schemeClr>
+                    </a:solidFill>
+                  </a:tcPr>
+                </a:tc>
+                <a:tc>
+                  <a:txBody>
+                    <a:bodyPr/>
+                    <a:lstStyle/>
+                    <a:p>
+                      <a:r>
+                        <a:rPr lang="en-US" altLang="zh-CN" sz="1400" b="0" kern="1200" dirty="0" err="1">
+                          <a:solidFill>
+                            <a:schemeClr val="dk1"/>
+                          </a:solidFill>
+                          <a:effectLst/>
+                          <a:latin typeface="+mn-lt"/>
+                          <a:ea typeface="+mn-ea"/>
+                          <a:cs typeface="+mn-cs"/>
+                        </a:rPr>
+                        <a:t>ctl_dispatch</a:t>
+                      </a:r>
+                      <a:endParaRPr lang="en-US" altLang="zh-CN" sz="1400" b="0" kern="1200" dirty="0">
+                        <a:solidFill>
+                          <a:schemeClr val="dk1"/>
+                        </a:solidFill>
+                        <a:effectLst/>
+                        <a:latin typeface="+mn-lt"/>
+                        <a:ea typeface="+mn-ea"/>
+                        <a:cs typeface="+mn-cs"/>
+                      </a:endParaRPr>
+                    </a:p>
+                  </a:txBody>
+                  <a:tcPr anchor="ctr">
+                    <a:solidFill>
+                      <a:schemeClr val="accent3">
+                        <a:lumMod val="40000"/>
+                        <a:lumOff val="60000"/>
+                      </a:schemeClr>
+                    </a:solidFill>
+                  </a:tcPr>
+                </a:tc>
+                <a:extLst>
+                  <a:ext uri="{0D108BD9-81ED-4DB2-BD59-A6C34878D82A}">
+                    <a16:rowId xmlns:a16="http://schemas.microsoft.com/office/drawing/2014/main" val="832487418"/>
+                  </a:ext>
+                </a:extLst>
+              </a:tr>
+            </a:tbl>
+          </a:graphicData>
+        </a:graphic>
+      </p:graphicFrame>
+      <p:graphicFrame>
+        <p:nvGraphicFramePr>
+          <p:cNvPr id="37" name="表格 36">
+            <a:extLst>
+              <a:ext uri="{FF2B5EF4-FFF2-40B4-BE49-F238E27FC236}">
+                <a16:creationId xmlns:a16="http://schemas.microsoft.com/office/drawing/2014/main" id="{97192A50-D9E8-4D6D-9B3C-64ECED49F126}"/>
+              </a:ext>
+            </a:extLst>
+          </p:cNvPr>
+          <p:cNvGraphicFramePr>
+            <a:graphicFrameLocks noGrp="1"/>
+          </p:cNvGraphicFramePr>
+          <p:nvPr>
+            <p:extLst>
+              <p:ext uri="{D42A27DB-BD31-4B8C-83A1-F6EECF244321}">
+                <p14:modId xmlns:p14="http://schemas.microsoft.com/office/powerpoint/2010/main" val="3320895649"/>
+              </p:ext>
+            </p:extLst>
+          </p:nvPr>
+        </p:nvGraphicFramePr>
+        <p:xfrm>
+          <a:off x="7375279" y="1912888"/>
+          <a:ext cx="3626941" cy="383319"/>
+        </p:xfrm>
+        <a:graphic>
+          <a:graphicData uri="http://schemas.openxmlformats.org/drawingml/2006/table">
+            <a:tbl>
+              <a:tblPr firstCol="1" bandRow="1">
+                <a:tableStyleId>{5C22544A-7EE6-4342-B048-85BDC9FD1C3A}</a:tableStyleId>
+              </a:tblPr>
+              <a:tblGrid>
+                <a:gridCol w="1837880">
+                  <a:extLst>
+                    <a:ext uri="{9D8B030D-6E8A-4147-A177-3AD203B41FA5}">
+                      <a16:colId xmlns:a16="http://schemas.microsoft.com/office/drawing/2014/main" val="202487886"/>
+                    </a:ext>
+                  </a:extLst>
+                </a:gridCol>
+                <a:gridCol w="1789061">
+                  <a:extLst>
+                    <a:ext uri="{9D8B030D-6E8A-4147-A177-3AD203B41FA5}">
+                      <a16:colId xmlns:a16="http://schemas.microsoft.com/office/drawing/2014/main" val="1329057522"/>
+                    </a:ext>
+                  </a:extLst>
+                </a:gridCol>
+              </a:tblGrid>
+              <a:tr h="383319">
+                <a:tc>
+                  <a:txBody>
+                    <a:bodyPr/>
+                    <a:lstStyle/>
+                    <a:p>
+                      <a:r>
+                        <a:rPr lang="en-US" altLang="zh-CN" sz="1400" dirty="0"/>
+                        <a:t>ctl_main.cpp</a:t>
+                      </a:r>
+                      <a:endParaRPr lang="zh-CN" altLang="en-US" sz="1400" dirty="0"/>
+                    </a:p>
+                  </a:txBody>
+                  <a:tcPr anchor="ctr">
+                    <a:solidFill>
+                      <a:schemeClr val="accent3">
+                        <a:lumMod val="75000"/>
+                      </a:schemeClr>
+                    </a:solidFill>
+                  </a:tcPr>
+                </a:tc>
+                <a:tc>
+                  <a:txBody>
+                    <a:bodyPr/>
+                    <a:lstStyle/>
+                    <a:p>
+                      <a:r>
+                        <a:rPr lang="en-US" altLang="zh-CN" sz="1400" b="0" kern="1200" dirty="0" err="1">
+                          <a:solidFill>
+                            <a:schemeClr val="dk1"/>
+                          </a:solidFill>
+                          <a:effectLst/>
+                          <a:latin typeface="+mn-lt"/>
+                          <a:ea typeface="+mn-ea"/>
+                          <a:cs typeface="+mn-cs"/>
+                        </a:rPr>
+                        <a:t>controller_dispatch</a:t>
+                      </a:r>
+                      <a:endParaRPr lang="en-US" altLang="zh-CN" sz="1400" b="0" kern="1200" dirty="0">
+                        <a:solidFill>
+                          <a:schemeClr val="dk1"/>
+                        </a:solidFill>
+                        <a:effectLst/>
+                        <a:latin typeface="+mn-lt"/>
+                        <a:ea typeface="+mn-ea"/>
+                        <a:cs typeface="+mn-cs"/>
+                      </a:endParaRPr>
+                    </a:p>
+                  </a:txBody>
+                  <a:tcPr anchor="ctr">
+                    <a:solidFill>
+                      <a:schemeClr val="accent3">
+                        <a:lumMod val="40000"/>
+                        <a:lumOff val="60000"/>
+                      </a:schemeClr>
+                    </a:solidFill>
+                  </a:tcPr>
+                </a:tc>
+                <a:extLst>
+                  <a:ext uri="{0D108BD9-81ED-4DB2-BD59-A6C34878D82A}">
+                    <a16:rowId xmlns:a16="http://schemas.microsoft.com/office/drawing/2014/main" val="832487418"/>
+                  </a:ext>
+                </a:extLst>
+              </a:tr>
+            </a:tbl>
+          </a:graphicData>
+        </a:graphic>
+      </p:graphicFrame>
+      <p:graphicFrame>
+        <p:nvGraphicFramePr>
+          <p:cNvPr id="38" name="表格 37">
+            <a:extLst>
+              <a:ext uri="{FF2B5EF4-FFF2-40B4-BE49-F238E27FC236}">
+                <a16:creationId xmlns:a16="http://schemas.microsoft.com/office/drawing/2014/main" id="{00FDF0B8-B646-4F18-B85B-7D81B44258ED}"/>
+              </a:ext>
+            </a:extLst>
+          </p:cNvPr>
+          <p:cNvGraphicFramePr>
+            <a:graphicFrameLocks noGrp="1"/>
+          </p:cNvGraphicFramePr>
+          <p:nvPr>
+            <p:extLst>
+              <p:ext uri="{D42A27DB-BD31-4B8C-83A1-F6EECF244321}">
+                <p14:modId xmlns:p14="http://schemas.microsoft.com/office/powerpoint/2010/main" val="2258576528"/>
+              </p:ext>
+            </p:extLst>
+          </p:nvPr>
+        </p:nvGraphicFramePr>
+        <p:xfrm>
+          <a:off x="7827726" y="2296207"/>
+          <a:ext cx="3626941" cy="365092"/>
+        </p:xfrm>
+        <a:graphic>
+          <a:graphicData uri="http://schemas.openxmlformats.org/drawingml/2006/table">
+            <a:tbl>
+              <a:tblPr firstCol="1" bandRow="1">
+                <a:tableStyleId>{5C22544A-7EE6-4342-B048-85BDC9FD1C3A}</a:tableStyleId>
+              </a:tblPr>
+              <a:tblGrid>
+                <a:gridCol w="1642253">
+                  <a:extLst>
+                    <a:ext uri="{9D8B030D-6E8A-4147-A177-3AD203B41FA5}">
+                      <a16:colId xmlns:a16="http://schemas.microsoft.com/office/drawing/2014/main" val="202487886"/>
+                    </a:ext>
+                  </a:extLst>
+                </a:gridCol>
+                <a:gridCol w="1984688">
+                  <a:extLst>
+                    <a:ext uri="{9D8B030D-6E8A-4147-A177-3AD203B41FA5}">
+                      <a16:colId xmlns:a16="http://schemas.microsoft.com/office/drawing/2014/main" val="1329057522"/>
+                    </a:ext>
+                  </a:extLst>
+                </a:gridCol>
+              </a:tblGrid>
+              <a:tr h="365092">
+                <a:tc>
+                  <a:txBody>
+                    <a:bodyPr/>
+                    <a:lstStyle/>
+                    <a:p>
+                      <a:r>
+                        <a:rPr lang="en-US" altLang="zh-CN" sz="1400" dirty="0" err="1"/>
+                        <a:t>ctl_nano.c</a:t>
+                      </a:r>
+                      <a:endParaRPr lang="zh-CN" altLang="en-US" sz="1400" dirty="0"/>
+                    </a:p>
+                  </a:txBody>
+                  <a:tcPr anchor="ctr">
+                    <a:solidFill>
+                      <a:schemeClr val="accent2"/>
+                    </a:solidFill>
+                  </a:tcPr>
+                </a:tc>
+                <a:tc>
+                  <a:txBody>
+                    <a:bodyPr/>
+                    <a:lstStyle/>
+                    <a:p>
+                      <a:r>
+                        <a:rPr lang="en-US" altLang="zh-CN" sz="1200" b="0" kern="1200" dirty="0" err="1">
+                          <a:solidFill>
+                            <a:schemeClr val="dk1"/>
+                          </a:solidFill>
+                          <a:effectLst/>
+                          <a:latin typeface="+mn-lt"/>
+                          <a:ea typeface="+mn-ea"/>
+                          <a:cs typeface="+mn-cs"/>
+                        </a:rPr>
+                        <a:t>ctl_input_stage_routine</a:t>
+                      </a:r>
+                      <a:endParaRPr lang="en-US" altLang="zh-CN" sz="1200" b="0" kern="1200" dirty="0">
+                        <a:solidFill>
+                          <a:schemeClr val="dk1"/>
+                        </a:solidFill>
+                        <a:effectLst/>
+                        <a:latin typeface="+mn-lt"/>
+                        <a:ea typeface="+mn-ea"/>
+                        <a:cs typeface="+mn-cs"/>
+                      </a:endParaRPr>
+                    </a:p>
+                  </a:txBody>
+                  <a:tcPr anchor="ctr">
+                    <a:solidFill>
+                      <a:schemeClr val="accent2">
+                        <a:lumMod val="20000"/>
+                        <a:lumOff val="80000"/>
+                      </a:schemeClr>
+                    </a:solidFill>
+                  </a:tcPr>
+                </a:tc>
+                <a:extLst>
+                  <a:ext uri="{0D108BD9-81ED-4DB2-BD59-A6C34878D82A}">
+                    <a16:rowId xmlns:a16="http://schemas.microsoft.com/office/drawing/2014/main" val="832487418"/>
+                  </a:ext>
+                </a:extLst>
+              </a:tr>
+            </a:tbl>
+          </a:graphicData>
+        </a:graphic>
+      </p:graphicFrame>
+      <p:graphicFrame>
+        <p:nvGraphicFramePr>
+          <p:cNvPr id="39" name="表格 38">
+            <a:extLst>
+              <a:ext uri="{FF2B5EF4-FFF2-40B4-BE49-F238E27FC236}">
+                <a16:creationId xmlns:a16="http://schemas.microsoft.com/office/drawing/2014/main" id="{C39A3A1A-450A-49D9-9471-79169D3A43E6}"/>
+              </a:ext>
+            </a:extLst>
+          </p:cNvPr>
+          <p:cNvGraphicFramePr>
+            <a:graphicFrameLocks noGrp="1"/>
+          </p:cNvGraphicFramePr>
+          <p:nvPr>
+            <p:extLst>
+              <p:ext uri="{D42A27DB-BD31-4B8C-83A1-F6EECF244321}">
+                <p14:modId xmlns:p14="http://schemas.microsoft.com/office/powerpoint/2010/main" val="1445909623"/>
+              </p:ext>
+            </p:extLst>
+          </p:nvPr>
+        </p:nvGraphicFramePr>
+        <p:xfrm>
+          <a:off x="7827726" y="3043934"/>
+          <a:ext cx="3626941" cy="365092"/>
+        </p:xfrm>
+        <a:graphic>
+          <a:graphicData uri="http://schemas.openxmlformats.org/drawingml/2006/table">
+            <a:tbl>
+              <a:tblPr firstCol="1" bandRow="1">
+                <a:tableStyleId>{5C22544A-7EE6-4342-B048-85BDC9FD1C3A}</a:tableStyleId>
+              </a:tblPr>
+              <a:tblGrid>
+                <a:gridCol w="1642253">
+                  <a:extLst>
+                    <a:ext uri="{9D8B030D-6E8A-4147-A177-3AD203B41FA5}">
+                      <a16:colId xmlns:a16="http://schemas.microsoft.com/office/drawing/2014/main" val="202487886"/>
+                    </a:ext>
+                  </a:extLst>
+                </a:gridCol>
+                <a:gridCol w="1984688">
+                  <a:extLst>
+                    <a:ext uri="{9D8B030D-6E8A-4147-A177-3AD203B41FA5}">
+                      <a16:colId xmlns:a16="http://schemas.microsoft.com/office/drawing/2014/main" val="1329057522"/>
+                    </a:ext>
+                  </a:extLst>
+                </a:gridCol>
+              </a:tblGrid>
+              <a:tr h="365092">
+                <a:tc>
+                  <a:txBody>
+                    <a:bodyPr/>
+                    <a:lstStyle/>
+                    <a:p>
+                      <a:r>
+                        <a:rPr lang="en-US" altLang="zh-CN" sz="1400" dirty="0" err="1"/>
+                        <a:t>ctl_nano.c</a:t>
+                      </a:r>
+                      <a:endParaRPr lang="zh-CN" altLang="en-US" sz="1400" dirty="0"/>
+                    </a:p>
+                  </a:txBody>
+                  <a:tcPr anchor="ctr">
+                    <a:solidFill>
+                      <a:schemeClr val="accent2"/>
+                    </a:solidFill>
+                  </a:tcPr>
+                </a:tc>
+                <a:tc>
+                  <a:txBody>
+                    <a:bodyPr/>
+                    <a:lstStyle/>
+                    <a:p>
+                      <a:r>
+                        <a:rPr lang="en-US" altLang="zh-CN" sz="1200" b="0" kern="1200" dirty="0" err="1">
+                          <a:solidFill>
+                            <a:schemeClr val="dk1"/>
+                          </a:solidFill>
+                          <a:effectLst/>
+                          <a:latin typeface="+mn-lt"/>
+                          <a:ea typeface="+mn-ea"/>
+                          <a:cs typeface="+mn-cs"/>
+                        </a:rPr>
+                        <a:t>ctl_core_stage_routine</a:t>
+                      </a:r>
+                      <a:endParaRPr lang="en-US" altLang="zh-CN" sz="1200" b="0" kern="1200" dirty="0">
+                        <a:solidFill>
+                          <a:schemeClr val="dk1"/>
+                        </a:solidFill>
+                        <a:effectLst/>
+                        <a:latin typeface="+mn-lt"/>
+                        <a:ea typeface="+mn-ea"/>
+                        <a:cs typeface="+mn-cs"/>
+                      </a:endParaRPr>
+                    </a:p>
+                  </a:txBody>
+                  <a:tcPr anchor="ctr">
+                    <a:solidFill>
+                      <a:schemeClr val="accent2">
+                        <a:lumMod val="20000"/>
+                        <a:lumOff val="80000"/>
+                      </a:schemeClr>
+                    </a:solidFill>
+                  </a:tcPr>
+                </a:tc>
+                <a:extLst>
+                  <a:ext uri="{0D108BD9-81ED-4DB2-BD59-A6C34878D82A}">
+                    <a16:rowId xmlns:a16="http://schemas.microsoft.com/office/drawing/2014/main" val="832487418"/>
+                  </a:ext>
+                </a:extLst>
+              </a:tr>
+            </a:tbl>
+          </a:graphicData>
+        </a:graphic>
+      </p:graphicFrame>
+      <p:graphicFrame>
+        <p:nvGraphicFramePr>
+          <p:cNvPr id="40" name="表格 39">
+            <a:extLst>
+              <a:ext uri="{FF2B5EF4-FFF2-40B4-BE49-F238E27FC236}">
+                <a16:creationId xmlns:a16="http://schemas.microsoft.com/office/drawing/2014/main" id="{EF328688-0C99-45F6-B007-2C0BC9D099C2}"/>
+              </a:ext>
+            </a:extLst>
+          </p:cNvPr>
+          <p:cNvGraphicFramePr>
+            <a:graphicFrameLocks noGrp="1"/>
+          </p:cNvGraphicFramePr>
+          <p:nvPr>
+            <p:extLst>
+              <p:ext uri="{D42A27DB-BD31-4B8C-83A1-F6EECF244321}">
+                <p14:modId xmlns:p14="http://schemas.microsoft.com/office/powerpoint/2010/main" val="3261397314"/>
+              </p:ext>
+            </p:extLst>
+          </p:nvPr>
+        </p:nvGraphicFramePr>
+        <p:xfrm>
+          <a:off x="7827726" y="3813093"/>
+          <a:ext cx="3626941" cy="365092"/>
+        </p:xfrm>
+        <a:graphic>
+          <a:graphicData uri="http://schemas.openxmlformats.org/drawingml/2006/table">
+            <a:tbl>
+              <a:tblPr firstCol="1" bandRow="1">
+                <a:tableStyleId>{5C22544A-7EE6-4342-B048-85BDC9FD1C3A}</a:tableStyleId>
+              </a:tblPr>
+              <a:tblGrid>
+                <a:gridCol w="1642253">
+                  <a:extLst>
+                    <a:ext uri="{9D8B030D-6E8A-4147-A177-3AD203B41FA5}">
+                      <a16:colId xmlns:a16="http://schemas.microsoft.com/office/drawing/2014/main" val="202487886"/>
+                    </a:ext>
+                  </a:extLst>
+                </a:gridCol>
+                <a:gridCol w="1984688">
+                  <a:extLst>
+                    <a:ext uri="{9D8B030D-6E8A-4147-A177-3AD203B41FA5}">
+                      <a16:colId xmlns:a16="http://schemas.microsoft.com/office/drawing/2014/main" val="1329057522"/>
+                    </a:ext>
+                  </a:extLst>
+                </a:gridCol>
+              </a:tblGrid>
+              <a:tr h="365092">
+                <a:tc>
+                  <a:txBody>
+                    <a:bodyPr/>
+                    <a:lstStyle/>
+                    <a:p>
+                      <a:r>
+                        <a:rPr lang="en-US" altLang="zh-CN" sz="1400" dirty="0" err="1"/>
+                        <a:t>ctl_nano.c</a:t>
+                      </a:r>
+                      <a:endParaRPr lang="zh-CN" altLang="en-US" sz="1400" dirty="0"/>
+                    </a:p>
+                  </a:txBody>
+                  <a:tcPr anchor="ctr">
+                    <a:solidFill>
+                      <a:schemeClr val="accent2"/>
+                    </a:solidFill>
+                  </a:tcPr>
+                </a:tc>
+                <a:tc>
+                  <a:txBody>
+                    <a:bodyPr/>
+                    <a:lstStyle/>
+                    <a:p>
+                      <a:r>
+                        <a:rPr lang="en-US" altLang="zh-CN" sz="1200" b="0" kern="1200" dirty="0" err="1">
+                          <a:solidFill>
+                            <a:schemeClr val="dk1"/>
+                          </a:solidFill>
+                          <a:effectLst/>
+                          <a:latin typeface="+mn-lt"/>
+                          <a:ea typeface="+mn-ea"/>
+                          <a:cs typeface="+mn-cs"/>
+                        </a:rPr>
+                        <a:t>ctl_output_stage_routine</a:t>
+                      </a:r>
+                      <a:endParaRPr lang="en-US" altLang="zh-CN" sz="1200" b="0" kern="1200" dirty="0">
+                        <a:solidFill>
+                          <a:schemeClr val="dk1"/>
+                        </a:solidFill>
+                        <a:effectLst/>
+                        <a:latin typeface="+mn-lt"/>
+                        <a:ea typeface="+mn-ea"/>
+                        <a:cs typeface="+mn-cs"/>
+                      </a:endParaRPr>
+                    </a:p>
+                  </a:txBody>
+                  <a:tcPr anchor="ctr">
+                    <a:solidFill>
+                      <a:schemeClr val="accent2">
+                        <a:lumMod val="20000"/>
+                        <a:lumOff val="80000"/>
+                      </a:schemeClr>
+                    </a:solidFill>
+                  </a:tcPr>
+                </a:tc>
+                <a:extLst>
+                  <a:ext uri="{0D108BD9-81ED-4DB2-BD59-A6C34878D82A}">
+                    <a16:rowId xmlns:a16="http://schemas.microsoft.com/office/drawing/2014/main" val="832487418"/>
+                  </a:ext>
+                </a:extLst>
+              </a:tr>
+            </a:tbl>
+          </a:graphicData>
+        </a:graphic>
+      </p:graphicFrame>
+      <p:graphicFrame>
+        <p:nvGraphicFramePr>
+          <p:cNvPr id="41" name="表格 40">
+            <a:extLst>
+              <a:ext uri="{FF2B5EF4-FFF2-40B4-BE49-F238E27FC236}">
+                <a16:creationId xmlns:a16="http://schemas.microsoft.com/office/drawing/2014/main" id="{4216E552-A4A3-462D-A98D-390F448155CA}"/>
+              </a:ext>
+            </a:extLst>
+          </p:cNvPr>
+          <p:cNvGraphicFramePr>
+            <a:graphicFrameLocks noGrp="1"/>
+          </p:cNvGraphicFramePr>
+          <p:nvPr>
+            <p:extLst>
+              <p:ext uri="{D42A27DB-BD31-4B8C-83A1-F6EECF244321}">
+                <p14:modId xmlns:p14="http://schemas.microsoft.com/office/powerpoint/2010/main" val="1805605479"/>
+              </p:ext>
+            </p:extLst>
+          </p:nvPr>
+        </p:nvGraphicFramePr>
+        <p:xfrm>
+          <a:off x="7827726" y="4581111"/>
+          <a:ext cx="3626941" cy="365092"/>
+        </p:xfrm>
+        <a:graphic>
+          <a:graphicData uri="http://schemas.openxmlformats.org/drawingml/2006/table">
+            <a:tbl>
+              <a:tblPr firstCol="1" bandRow="1">
+                <a:tableStyleId>{5C22544A-7EE6-4342-B048-85BDC9FD1C3A}</a:tableStyleId>
+              </a:tblPr>
+              <a:tblGrid>
+                <a:gridCol w="1642253">
+                  <a:extLst>
+                    <a:ext uri="{9D8B030D-6E8A-4147-A177-3AD203B41FA5}">
+                      <a16:colId xmlns:a16="http://schemas.microsoft.com/office/drawing/2014/main" val="202487886"/>
+                    </a:ext>
+                  </a:extLst>
+                </a:gridCol>
+                <a:gridCol w="1984688">
+                  <a:extLst>
+                    <a:ext uri="{9D8B030D-6E8A-4147-A177-3AD203B41FA5}">
+                      <a16:colId xmlns:a16="http://schemas.microsoft.com/office/drawing/2014/main" val="1329057522"/>
+                    </a:ext>
+                  </a:extLst>
+                </a:gridCol>
+              </a:tblGrid>
+              <a:tr h="365092">
+                <a:tc>
+                  <a:txBody>
+                    <a:bodyPr/>
+                    <a:lstStyle/>
+                    <a:p>
+                      <a:r>
+                        <a:rPr lang="en-US" altLang="zh-CN" sz="1400" dirty="0" err="1"/>
+                        <a:t>ctl_nano.c</a:t>
+                      </a:r>
+                      <a:endParaRPr lang="zh-CN" altLang="en-US" sz="1400" dirty="0"/>
+                    </a:p>
+                  </a:txBody>
+                  <a:tcPr anchor="ctr">
+                    <a:solidFill>
+                      <a:schemeClr val="accent2"/>
+                    </a:solidFill>
+                  </a:tcPr>
+                </a:tc>
+                <a:tc>
+                  <a:txBody>
+                    <a:bodyPr/>
+                    <a:lstStyle/>
+                    <a:p>
+                      <a:r>
+                        <a:rPr lang="en-US" altLang="zh-CN" sz="1200" b="0" kern="1200" dirty="0" err="1">
+                          <a:solidFill>
+                            <a:schemeClr val="dk1"/>
+                          </a:solidFill>
+                          <a:effectLst/>
+                          <a:latin typeface="+mn-lt"/>
+                          <a:ea typeface="+mn-ea"/>
+                          <a:cs typeface="+mn-cs"/>
+                        </a:rPr>
+                        <a:t>ctl_request_stage_routine</a:t>
+                      </a:r>
+                      <a:endParaRPr lang="en-US" altLang="zh-CN" sz="1200" b="0" kern="1200" dirty="0">
+                        <a:solidFill>
+                          <a:schemeClr val="dk1"/>
+                        </a:solidFill>
+                        <a:effectLst/>
+                        <a:latin typeface="+mn-lt"/>
+                        <a:ea typeface="+mn-ea"/>
+                        <a:cs typeface="+mn-cs"/>
+                      </a:endParaRPr>
+                    </a:p>
+                  </a:txBody>
+                  <a:tcPr anchor="ctr">
+                    <a:solidFill>
+                      <a:schemeClr val="accent2">
+                        <a:lumMod val="20000"/>
+                        <a:lumOff val="80000"/>
+                      </a:schemeClr>
+                    </a:solidFill>
+                  </a:tcPr>
+                </a:tc>
+                <a:extLst>
+                  <a:ext uri="{0D108BD9-81ED-4DB2-BD59-A6C34878D82A}">
+                    <a16:rowId xmlns:a16="http://schemas.microsoft.com/office/drawing/2014/main" val="832487418"/>
+                  </a:ext>
+                </a:extLst>
+              </a:tr>
+            </a:tbl>
+          </a:graphicData>
+        </a:graphic>
+      </p:graphicFrame>
+      <p:graphicFrame>
+        <p:nvGraphicFramePr>
+          <p:cNvPr id="42" name="表格 41">
+            <a:extLst>
+              <a:ext uri="{FF2B5EF4-FFF2-40B4-BE49-F238E27FC236}">
+                <a16:creationId xmlns:a16="http://schemas.microsoft.com/office/drawing/2014/main" id="{CE3C67C3-27FB-4DB0-B8EE-7019870753BC}"/>
+              </a:ext>
+            </a:extLst>
+          </p:cNvPr>
+          <p:cNvGraphicFramePr>
+            <a:graphicFrameLocks noGrp="1"/>
+          </p:cNvGraphicFramePr>
+          <p:nvPr>
+            <p:extLst>
+              <p:ext uri="{D42A27DB-BD31-4B8C-83A1-F6EECF244321}">
+                <p14:modId xmlns:p14="http://schemas.microsoft.com/office/powerpoint/2010/main" val="4170640530"/>
+              </p:ext>
+            </p:extLst>
+          </p:nvPr>
+        </p:nvGraphicFramePr>
+        <p:xfrm>
+          <a:off x="1808089" y="3414500"/>
+          <a:ext cx="3626941" cy="365092"/>
+        </p:xfrm>
+        <a:graphic>
+          <a:graphicData uri="http://schemas.openxmlformats.org/drawingml/2006/table">
+            <a:tbl>
+              <a:tblPr firstCol="1" bandRow="1">
+                <a:tableStyleId>{5C22544A-7EE6-4342-B048-85BDC9FD1C3A}</a:tableStyleId>
+              </a:tblPr>
+              <a:tblGrid>
+                <a:gridCol w="1642253">
+                  <a:extLst>
+                    <a:ext uri="{9D8B030D-6E8A-4147-A177-3AD203B41FA5}">
+                      <a16:colId xmlns:a16="http://schemas.microsoft.com/office/drawing/2014/main" val="202487886"/>
+                    </a:ext>
+                  </a:extLst>
+                </a:gridCol>
+                <a:gridCol w="1984688">
+                  <a:extLst>
+                    <a:ext uri="{9D8B030D-6E8A-4147-A177-3AD203B41FA5}">
+                      <a16:colId xmlns:a16="http://schemas.microsoft.com/office/drawing/2014/main" val="1329057522"/>
+                    </a:ext>
+                  </a:extLst>
+                </a:gridCol>
+              </a:tblGrid>
+              <a:tr h="365092">
+                <a:tc>
+                  <a:txBody>
+                    <a:bodyPr/>
+                    <a:lstStyle/>
+                    <a:p>
+                      <a:r>
+                        <a:rPr lang="en-US" altLang="zh-CN" sz="1400" dirty="0" err="1"/>
+                        <a:t>ctl_nano.c</a:t>
+                      </a:r>
+                      <a:endParaRPr lang="zh-CN" altLang="en-US" sz="1400" dirty="0"/>
+                    </a:p>
+                  </a:txBody>
+                  <a:tcPr anchor="ctr">
+                    <a:solidFill>
+                      <a:schemeClr val="accent2"/>
+                    </a:solidFill>
+                  </a:tcPr>
+                </a:tc>
+                <a:tc>
+                  <a:txBody>
+                    <a:bodyPr/>
+                    <a:lstStyle/>
+                    <a:p>
+                      <a:r>
+                        <a:rPr lang="en-US" altLang="zh-CN" sz="1200" b="0" kern="1200" dirty="0" err="1">
+                          <a:solidFill>
+                            <a:schemeClr val="dk1"/>
+                          </a:solidFill>
+                          <a:effectLst/>
+                          <a:latin typeface="+mn-lt"/>
+                          <a:ea typeface="+mn-ea"/>
+                          <a:cs typeface="+mn-cs"/>
+                        </a:rPr>
+                        <a:t>controller_output_enable</a:t>
+                      </a:r>
+                      <a:endParaRPr lang="en-US" altLang="zh-CN" sz="1200" b="0" kern="1200" dirty="0">
+                        <a:solidFill>
+                          <a:schemeClr val="dk1"/>
+                        </a:solidFill>
+                        <a:effectLst/>
+                        <a:latin typeface="+mn-lt"/>
+                        <a:ea typeface="+mn-ea"/>
+                        <a:cs typeface="+mn-cs"/>
+                      </a:endParaRPr>
+                    </a:p>
+                  </a:txBody>
+                  <a:tcPr anchor="ctr">
+                    <a:solidFill>
+                      <a:schemeClr val="accent2">
+                        <a:lumMod val="20000"/>
+                        <a:lumOff val="80000"/>
+                      </a:schemeClr>
+                    </a:solidFill>
+                  </a:tcPr>
+                </a:tc>
+                <a:extLst>
+                  <a:ext uri="{0D108BD9-81ED-4DB2-BD59-A6C34878D82A}">
+                    <a16:rowId xmlns:a16="http://schemas.microsoft.com/office/drawing/2014/main" val="832487418"/>
+                  </a:ext>
+                </a:extLst>
+              </a:tr>
+            </a:tbl>
+          </a:graphicData>
+        </a:graphic>
+      </p:graphicFrame>
+      <p:graphicFrame>
+        <p:nvGraphicFramePr>
+          <p:cNvPr id="43" name="表格 42">
+            <a:extLst>
+              <a:ext uri="{FF2B5EF4-FFF2-40B4-BE49-F238E27FC236}">
+                <a16:creationId xmlns:a16="http://schemas.microsoft.com/office/drawing/2014/main" id="{2DFBD40C-61AF-4169-98D6-29F75E62A231}"/>
+              </a:ext>
+            </a:extLst>
+          </p:cNvPr>
+          <p:cNvGraphicFramePr>
+            <a:graphicFrameLocks noGrp="1"/>
+          </p:cNvGraphicFramePr>
+          <p:nvPr>
+            <p:extLst>
+              <p:ext uri="{D42A27DB-BD31-4B8C-83A1-F6EECF244321}">
+                <p14:modId xmlns:p14="http://schemas.microsoft.com/office/powerpoint/2010/main" val="1672019906"/>
+              </p:ext>
+            </p:extLst>
+          </p:nvPr>
+        </p:nvGraphicFramePr>
+        <p:xfrm>
+          <a:off x="1802776" y="3804204"/>
+          <a:ext cx="3626941" cy="365092"/>
+        </p:xfrm>
+        <a:graphic>
+          <a:graphicData uri="http://schemas.openxmlformats.org/drawingml/2006/table">
+            <a:tbl>
+              <a:tblPr firstCol="1" bandRow="1">
+                <a:tableStyleId>{5C22544A-7EE6-4342-B048-85BDC9FD1C3A}</a:tableStyleId>
+              </a:tblPr>
+              <a:tblGrid>
+                <a:gridCol w="1642253">
+                  <a:extLst>
+                    <a:ext uri="{9D8B030D-6E8A-4147-A177-3AD203B41FA5}">
+                      <a16:colId xmlns:a16="http://schemas.microsoft.com/office/drawing/2014/main" val="202487886"/>
+                    </a:ext>
+                  </a:extLst>
+                </a:gridCol>
+                <a:gridCol w="1984688">
+                  <a:extLst>
+                    <a:ext uri="{9D8B030D-6E8A-4147-A177-3AD203B41FA5}">
+                      <a16:colId xmlns:a16="http://schemas.microsoft.com/office/drawing/2014/main" val="1329057522"/>
+                    </a:ext>
+                  </a:extLst>
+                </a:gridCol>
+              </a:tblGrid>
+              <a:tr h="365092">
+                <a:tc>
+                  <a:txBody>
+                    <a:bodyPr/>
+                    <a:lstStyle/>
+                    <a:p>
+                      <a:r>
+                        <a:rPr lang="en-US" altLang="zh-CN" sz="1400" dirty="0" err="1"/>
+                        <a:t>ctl_nano.c</a:t>
+                      </a:r>
+                      <a:endParaRPr lang="zh-CN" altLang="en-US" sz="1400" dirty="0"/>
+                    </a:p>
+                  </a:txBody>
+                  <a:tcPr anchor="ctr">
+                    <a:solidFill>
+                      <a:schemeClr val="accent2"/>
+                    </a:solidFill>
+                  </a:tcPr>
+                </a:tc>
+                <a:tc>
+                  <a:txBody>
+                    <a:bodyPr/>
+                    <a:lstStyle/>
+                    <a:p>
+                      <a:r>
+                        <a:rPr lang="en-US" altLang="zh-CN" sz="1200" b="0" kern="1200" dirty="0" err="1">
+                          <a:solidFill>
+                            <a:schemeClr val="dk1"/>
+                          </a:solidFill>
+                          <a:effectLst/>
+                          <a:latin typeface="+mn-lt"/>
+                          <a:ea typeface="+mn-ea"/>
+                          <a:cs typeface="+mn-cs"/>
+                        </a:rPr>
+                        <a:t>controller_output_disable</a:t>
+                      </a:r>
+                      <a:endParaRPr lang="en-US" altLang="zh-CN" sz="1200" b="0" kern="1200" dirty="0">
+                        <a:solidFill>
+                          <a:schemeClr val="dk1"/>
+                        </a:solidFill>
+                        <a:effectLst/>
+                        <a:latin typeface="+mn-lt"/>
+                        <a:ea typeface="+mn-ea"/>
+                        <a:cs typeface="+mn-cs"/>
+                      </a:endParaRPr>
+                    </a:p>
+                  </a:txBody>
+                  <a:tcPr anchor="ctr">
+                    <a:solidFill>
+                      <a:schemeClr val="accent2">
+                        <a:lumMod val="20000"/>
+                        <a:lumOff val="80000"/>
+                      </a:schemeClr>
+                    </a:solidFill>
+                  </a:tcPr>
+                </a:tc>
+                <a:extLst>
+                  <a:ext uri="{0D108BD9-81ED-4DB2-BD59-A6C34878D82A}">
+                    <a16:rowId xmlns:a16="http://schemas.microsoft.com/office/drawing/2014/main" val="832487418"/>
+                  </a:ext>
+                </a:extLst>
+              </a:tr>
+            </a:tbl>
+          </a:graphicData>
+        </a:graphic>
+      </p:graphicFrame>
+      <p:graphicFrame>
+        <p:nvGraphicFramePr>
+          <p:cNvPr id="44" name="表格 43">
+            <a:extLst>
+              <a:ext uri="{FF2B5EF4-FFF2-40B4-BE49-F238E27FC236}">
+                <a16:creationId xmlns:a16="http://schemas.microsoft.com/office/drawing/2014/main" id="{45B30FAB-1DBB-4066-B48D-33B327C93406}"/>
+              </a:ext>
+            </a:extLst>
+          </p:cNvPr>
+          <p:cNvGraphicFramePr>
+            <a:graphicFrameLocks noGrp="1"/>
+          </p:cNvGraphicFramePr>
+          <p:nvPr>
+            <p:extLst>
+              <p:ext uri="{D42A27DB-BD31-4B8C-83A1-F6EECF244321}">
+                <p14:modId xmlns:p14="http://schemas.microsoft.com/office/powerpoint/2010/main" val="2295068989"/>
+              </p:ext>
+            </p:extLst>
+          </p:nvPr>
+        </p:nvGraphicFramePr>
+        <p:xfrm>
+          <a:off x="1802775" y="4192879"/>
+          <a:ext cx="3626941" cy="365092"/>
+        </p:xfrm>
+        <a:graphic>
+          <a:graphicData uri="http://schemas.openxmlformats.org/drawingml/2006/table">
+            <a:tbl>
+              <a:tblPr firstCol="1" bandRow="1">
+                <a:tableStyleId>{5C22544A-7EE6-4342-B048-85BDC9FD1C3A}</a:tableStyleId>
+              </a:tblPr>
+              <a:tblGrid>
+                <a:gridCol w="1642253">
+                  <a:extLst>
+                    <a:ext uri="{9D8B030D-6E8A-4147-A177-3AD203B41FA5}">
+                      <a16:colId xmlns:a16="http://schemas.microsoft.com/office/drawing/2014/main" val="202487886"/>
+                    </a:ext>
+                  </a:extLst>
+                </a:gridCol>
+                <a:gridCol w="1984688">
+                  <a:extLst>
+                    <a:ext uri="{9D8B030D-6E8A-4147-A177-3AD203B41FA5}">
+                      <a16:colId xmlns:a16="http://schemas.microsoft.com/office/drawing/2014/main" val="1329057522"/>
+                    </a:ext>
+                  </a:extLst>
+                </a:gridCol>
+              </a:tblGrid>
+              <a:tr h="365092">
+                <a:tc>
+                  <a:txBody>
+                    <a:bodyPr/>
+                    <a:lstStyle/>
+                    <a:p>
+                      <a:r>
+                        <a:rPr lang="en-US" altLang="zh-CN" sz="1400" dirty="0" err="1"/>
+                        <a:t>ctl_nano.c</a:t>
+                      </a:r>
+                      <a:endParaRPr lang="zh-CN" altLang="en-US" sz="1400" dirty="0"/>
+                    </a:p>
+                  </a:txBody>
+                  <a:tcPr anchor="ctr">
+                    <a:solidFill>
+                      <a:schemeClr val="accent2"/>
+                    </a:solidFill>
+                  </a:tcPr>
+                </a:tc>
+                <a:tc>
+                  <a:txBody>
+                    <a:bodyPr/>
+                    <a:lstStyle/>
+                    <a:p>
+                      <a:r>
+                        <a:rPr lang="en-US" altLang="zh-CN" sz="1200" b="0" kern="1200" dirty="0" err="1">
+                          <a:solidFill>
+                            <a:schemeClr val="dk1"/>
+                          </a:solidFill>
+                          <a:effectLst/>
+                          <a:latin typeface="+mn-lt"/>
+                          <a:ea typeface="+mn-ea"/>
+                          <a:cs typeface="+mn-cs"/>
+                        </a:rPr>
+                        <a:t>ctl_nano_sm_online_routine</a:t>
+                      </a:r>
+                      <a:endParaRPr lang="en-US" altLang="zh-CN" sz="1200" b="0" kern="1200" dirty="0">
+                        <a:solidFill>
+                          <a:schemeClr val="dk1"/>
+                        </a:solidFill>
+                        <a:effectLst/>
+                        <a:latin typeface="+mn-lt"/>
+                        <a:ea typeface="+mn-ea"/>
+                        <a:cs typeface="+mn-cs"/>
+                      </a:endParaRPr>
+                    </a:p>
+                  </a:txBody>
+                  <a:tcPr anchor="ctr">
+                    <a:solidFill>
+                      <a:schemeClr val="accent2">
+                        <a:lumMod val="20000"/>
+                        <a:lumOff val="80000"/>
+                      </a:schemeClr>
+                    </a:solidFill>
+                  </a:tcPr>
+                </a:tc>
+                <a:extLst>
+                  <a:ext uri="{0D108BD9-81ED-4DB2-BD59-A6C34878D82A}">
+                    <a16:rowId xmlns:a16="http://schemas.microsoft.com/office/drawing/2014/main" val="832487418"/>
+                  </a:ext>
+                </a:extLst>
+              </a:tr>
+            </a:tbl>
+          </a:graphicData>
+        </a:graphic>
+      </p:graphicFrame>
+      <p:sp>
+        <p:nvSpPr>
+          <p:cNvPr id="45" name="文本框 44">
+            <a:extLst>
+              <a:ext uri="{FF2B5EF4-FFF2-40B4-BE49-F238E27FC236}">
+                <a16:creationId xmlns:a16="http://schemas.microsoft.com/office/drawing/2014/main" id="{5FF93EA8-A5DE-4933-B65A-1FBAD7B5CB3C}"/>
+              </a:ext>
+            </a:extLst>
+          </p:cNvPr>
+          <p:cNvSpPr txBox="1"/>
+          <p:nvPr/>
+        </p:nvSpPr>
+        <p:spPr>
+          <a:xfrm>
+            <a:off x="547304" y="4236704"/>
+            <a:ext cx="1255472" cy="276999"/>
+          </a:xfrm>
+          <a:prstGeom prst="rect">
+            <a:avLst/>
+          </a:prstGeom>
+          <a:noFill/>
+        </p:spPr>
+        <p:txBody>
+          <a:bodyPr wrap="none" rtlCol="0">
+            <a:spAutoFit/>
+          </a:bodyPr>
+          <a:lstStyle/>
+          <a:p>
+            <a:r>
+              <a:rPr lang="en-US" altLang="zh-CN" sz="1200" dirty="0"/>
+              <a:t>Dynamic Tuning</a:t>
+            </a:r>
+          </a:p>
+        </p:txBody>
+      </p:sp>
+      <p:graphicFrame>
+        <p:nvGraphicFramePr>
+          <p:cNvPr id="46" name="表格 45">
+            <a:extLst>
+              <a:ext uri="{FF2B5EF4-FFF2-40B4-BE49-F238E27FC236}">
+                <a16:creationId xmlns:a16="http://schemas.microsoft.com/office/drawing/2014/main" id="{59BBB376-9B4C-476E-BCA6-E097125CF6F7}"/>
+              </a:ext>
+            </a:extLst>
+          </p:cNvPr>
+          <p:cNvGraphicFramePr>
+            <a:graphicFrameLocks noGrp="1"/>
+          </p:cNvGraphicFramePr>
+          <p:nvPr>
+            <p:extLst>
+              <p:ext uri="{D42A27DB-BD31-4B8C-83A1-F6EECF244321}">
+                <p14:modId xmlns:p14="http://schemas.microsoft.com/office/powerpoint/2010/main" val="32595404"/>
+              </p:ext>
+            </p:extLst>
+          </p:nvPr>
+        </p:nvGraphicFramePr>
+        <p:xfrm>
+          <a:off x="1802774" y="4581111"/>
+          <a:ext cx="3626941" cy="365092"/>
+        </p:xfrm>
+        <a:graphic>
+          <a:graphicData uri="http://schemas.openxmlformats.org/drawingml/2006/table">
+            <a:tbl>
+              <a:tblPr firstCol="1" bandRow="1">
+                <a:tableStyleId>{5C22544A-7EE6-4342-B048-85BDC9FD1C3A}</a:tableStyleId>
+              </a:tblPr>
+              <a:tblGrid>
+                <a:gridCol w="1642253">
+                  <a:extLst>
+                    <a:ext uri="{9D8B030D-6E8A-4147-A177-3AD203B41FA5}">
+                      <a16:colId xmlns:a16="http://schemas.microsoft.com/office/drawing/2014/main" val="202487886"/>
+                    </a:ext>
+                  </a:extLst>
+                </a:gridCol>
+                <a:gridCol w="1984688">
+                  <a:extLst>
+                    <a:ext uri="{9D8B030D-6E8A-4147-A177-3AD203B41FA5}">
+                      <a16:colId xmlns:a16="http://schemas.microsoft.com/office/drawing/2014/main" val="1329057522"/>
+                    </a:ext>
+                  </a:extLst>
+                </a:gridCol>
+              </a:tblGrid>
+              <a:tr h="365092">
+                <a:tc>
+                  <a:txBody>
+                    <a:bodyPr/>
+                    <a:lstStyle/>
+                    <a:p>
+                      <a:r>
+                        <a:rPr lang="en-US" altLang="zh-CN" sz="1400" dirty="0" err="1"/>
+                        <a:t>ctl_nano.c</a:t>
+                      </a:r>
+                      <a:endParaRPr lang="zh-CN" altLang="en-US" sz="1400" dirty="0"/>
+                    </a:p>
+                  </a:txBody>
+                  <a:tcPr anchor="ctr">
+                    <a:solidFill>
+                      <a:schemeClr val="accent2"/>
+                    </a:solidFill>
+                  </a:tcPr>
+                </a:tc>
+                <a:tc>
+                  <a:txBody>
+                    <a:bodyPr/>
+                    <a:lstStyle/>
+                    <a:p>
+                      <a:r>
+                        <a:rPr lang="en-US" altLang="zh-CN" sz="1200" b="0" kern="1200" dirty="0" err="1">
+                          <a:solidFill>
+                            <a:schemeClr val="dk1"/>
+                          </a:solidFill>
+                          <a:effectLst/>
+                          <a:latin typeface="+mn-lt"/>
+                          <a:ea typeface="+mn-ea"/>
+                          <a:cs typeface="+mn-cs"/>
+                        </a:rPr>
+                        <a:t>ctl_nano_sm_online_routine</a:t>
+                      </a:r>
+                      <a:endParaRPr lang="en-US" altLang="zh-CN" sz="1200" b="0" kern="1200" dirty="0">
+                        <a:solidFill>
+                          <a:schemeClr val="dk1"/>
+                        </a:solidFill>
+                        <a:effectLst/>
+                        <a:latin typeface="+mn-lt"/>
+                        <a:ea typeface="+mn-ea"/>
+                        <a:cs typeface="+mn-cs"/>
+                      </a:endParaRPr>
+                    </a:p>
+                  </a:txBody>
+                  <a:tcPr anchor="ctr">
+                    <a:solidFill>
+                      <a:schemeClr val="accent2">
+                        <a:lumMod val="20000"/>
+                        <a:lumOff val="80000"/>
+                      </a:schemeClr>
+                    </a:solidFill>
+                  </a:tcPr>
+                </a:tc>
+                <a:extLst>
+                  <a:ext uri="{0D108BD9-81ED-4DB2-BD59-A6C34878D82A}">
+                    <a16:rowId xmlns:a16="http://schemas.microsoft.com/office/drawing/2014/main" val="832487418"/>
+                  </a:ext>
+                </a:extLst>
+              </a:tr>
+            </a:tbl>
+          </a:graphicData>
+        </a:graphic>
+      </p:graphicFrame>
+      <p:graphicFrame>
+        <p:nvGraphicFramePr>
+          <p:cNvPr id="47" name="表格 46">
+            <a:extLst>
+              <a:ext uri="{FF2B5EF4-FFF2-40B4-BE49-F238E27FC236}">
+                <a16:creationId xmlns:a16="http://schemas.microsoft.com/office/drawing/2014/main" id="{2ECF0424-4087-45AA-A487-0E05781E9B2D}"/>
+              </a:ext>
+            </a:extLst>
+          </p:cNvPr>
+          <p:cNvGraphicFramePr>
+            <a:graphicFrameLocks noGrp="1"/>
+          </p:cNvGraphicFramePr>
+          <p:nvPr>
+            <p:extLst>
+              <p:ext uri="{D42A27DB-BD31-4B8C-83A1-F6EECF244321}">
+                <p14:modId xmlns:p14="http://schemas.microsoft.com/office/powerpoint/2010/main" val="4092595252"/>
+              </p:ext>
+            </p:extLst>
+          </p:nvPr>
+        </p:nvGraphicFramePr>
+        <p:xfrm>
+          <a:off x="8249004" y="2669477"/>
+          <a:ext cx="3626941" cy="365092"/>
+        </p:xfrm>
+        <a:graphic>
+          <a:graphicData uri="http://schemas.openxmlformats.org/drawingml/2006/table">
+            <a:tbl>
+              <a:tblPr firstCol="1" bandRow="1">
+                <a:tableStyleId>{5C22544A-7EE6-4342-B048-85BDC9FD1C3A}</a:tableStyleId>
+              </a:tblPr>
+              <a:tblGrid>
+                <a:gridCol w="1642253">
+                  <a:extLst>
+                    <a:ext uri="{9D8B030D-6E8A-4147-A177-3AD203B41FA5}">
+                      <a16:colId xmlns:a16="http://schemas.microsoft.com/office/drawing/2014/main" val="202487886"/>
+                    </a:ext>
+                  </a:extLst>
+                </a:gridCol>
+                <a:gridCol w="1984688">
+                  <a:extLst>
+                    <a:ext uri="{9D8B030D-6E8A-4147-A177-3AD203B41FA5}">
+                      <a16:colId xmlns:a16="http://schemas.microsoft.com/office/drawing/2014/main" val="1329057522"/>
+                    </a:ext>
+                  </a:extLst>
+                </a:gridCol>
+              </a:tblGrid>
+              <a:tr h="365092">
+                <a:tc>
+                  <a:txBody>
+                    <a:bodyPr/>
+                    <a:lstStyle/>
+                    <a:p>
+                      <a:r>
+                        <a:rPr lang="en-US" altLang="zh-CN" sz="1400" dirty="0" err="1"/>
+                        <a:t>adc_channel.h</a:t>
+                      </a:r>
+                      <a:endParaRPr lang="zh-CN" altLang="en-US" sz="1400" dirty="0"/>
+                    </a:p>
+                  </a:txBody>
+                  <a:tcPr anchor="ctr">
+                    <a:solidFill>
+                      <a:schemeClr val="accent6">
+                        <a:lumMod val="75000"/>
+                      </a:schemeClr>
+                    </a:solidFill>
+                  </a:tcPr>
+                </a:tc>
+                <a:tc>
+                  <a:txBody>
+                    <a:bodyPr/>
+                    <a:lstStyle/>
+                    <a:p>
+                      <a:r>
+                        <a:rPr lang="en-US" altLang="zh-CN" sz="1200" b="0" kern="1200" dirty="0" err="1">
+                          <a:solidFill>
+                            <a:schemeClr val="dk1"/>
+                          </a:solidFill>
+                          <a:effectLst/>
+                          <a:latin typeface="+mn-lt"/>
+                          <a:ea typeface="+mn-ea"/>
+                          <a:cs typeface="+mn-cs"/>
+                        </a:rPr>
+                        <a:t>ctl_input_adc_source_data</a:t>
+                      </a:r>
+                      <a:endParaRPr lang="en-US" altLang="zh-CN" sz="1200" b="0" kern="1200" dirty="0">
+                        <a:solidFill>
+                          <a:schemeClr val="dk1"/>
+                        </a:solidFill>
+                        <a:effectLst/>
+                        <a:latin typeface="+mn-lt"/>
+                        <a:ea typeface="+mn-ea"/>
+                        <a:cs typeface="+mn-cs"/>
+                      </a:endParaRPr>
+                    </a:p>
+                  </a:txBody>
+                  <a:tcPr anchor="ctr">
+                    <a:solidFill>
+                      <a:schemeClr val="accent6">
+                        <a:lumMod val="20000"/>
+                        <a:lumOff val="80000"/>
+                      </a:schemeClr>
+                    </a:solidFill>
+                  </a:tcPr>
+                </a:tc>
+                <a:extLst>
+                  <a:ext uri="{0D108BD9-81ED-4DB2-BD59-A6C34878D82A}">
+                    <a16:rowId xmlns:a16="http://schemas.microsoft.com/office/drawing/2014/main" val="832487418"/>
+                  </a:ext>
+                </a:extLst>
+              </a:tr>
+            </a:tbl>
+          </a:graphicData>
+        </a:graphic>
+      </p:graphicFrame>
+      <p:graphicFrame>
+        <p:nvGraphicFramePr>
+          <p:cNvPr id="48" name="表格 47">
+            <a:extLst>
+              <a:ext uri="{FF2B5EF4-FFF2-40B4-BE49-F238E27FC236}">
+                <a16:creationId xmlns:a16="http://schemas.microsoft.com/office/drawing/2014/main" id="{5401CE6F-7C04-4804-8E1E-38CAED2EFE3F}"/>
+              </a:ext>
+            </a:extLst>
+          </p:cNvPr>
+          <p:cNvGraphicFramePr>
+            <a:graphicFrameLocks noGrp="1"/>
+          </p:cNvGraphicFramePr>
+          <p:nvPr>
+            <p:extLst>
+              <p:ext uri="{D42A27DB-BD31-4B8C-83A1-F6EECF244321}">
+                <p14:modId xmlns:p14="http://schemas.microsoft.com/office/powerpoint/2010/main" val="1094811198"/>
+              </p:ext>
+            </p:extLst>
+          </p:nvPr>
+        </p:nvGraphicFramePr>
+        <p:xfrm>
+          <a:off x="8262015" y="3426569"/>
+          <a:ext cx="3626941" cy="365092"/>
+        </p:xfrm>
+        <a:graphic>
+          <a:graphicData uri="http://schemas.openxmlformats.org/drawingml/2006/table">
+            <a:tbl>
+              <a:tblPr firstCol="1" bandRow="1">
+                <a:tableStyleId>{5C22544A-7EE6-4342-B048-85BDC9FD1C3A}</a:tableStyleId>
+              </a:tblPr>
+              <a:tblGrid>
+                <a:gridCol w="1642253">
+                  <a:extLst>
+                    <a:ext uri="{9D8B030D-6E8A-4147-A177-3AD203B41FA5}">
+                      <a16:colId xmlns:a16="http://schemas.microsoft.com/office/drawing/2014/main" val="202487886"/>
+                    </a:ext>
+                  </a:extLst>
+                </a:gridCol>
+                <a:gridCol w="1984688">
+                  <a:extLst>
+                    <a:ext uri="{9D8B030D-6E8A-4147-A177-3AD203B41FA5}">
+                      <a16:colId xmlns:a16="http://schemas.microsoft.com/office/drawing/2014/main" val="1329057522"/>
+                    </a:ext>
+                  </a:extLst>
+                </a:gridCol>
+              </a:tblGrid>
+              <a:tr h="365092">
+                <a:tc>
+                  <a:txBody>
+                    <a:bodyPr/>
+                    <a:lstStyle/>
+                    <a:p>
+                      <a:r>
+                        <a:rPr lang="en-US" altLang="zh-CN" sz="1400" dirty="0" err="1"/>
+                        <a:t>pmsm.ctl.h</a:t>
+                      </a:r>
+                      <a:endParaRPr lang="zh-CN" altLang="en-US" sz="1400" dirty="0"/>
+                    </a:p>
+                  </a:txBody>
+                  <a:tcPr anchor="ctr">
+                    <a:solidFill>
+                      <a:schemeClr val="accent6">
+                        <a:lumMod val="75000"/>
+                      </a:schemeClr>
+                    </a:solidFill>
+                  </a:tcPr>
+                </a:tc>
+                <a:tc>
+                  <a:txBody>
+                    <a:bodyPr/>
+                    <a:lstStyle/>
+                    <a:p>
+                      <a:r>
+                        <a:rPr lang="en-US" altLang="zh-CN" sz="1200" b="0" kern="1200" dirty="0" err="1">
+                          <a:solidFill>
+                            <a:schemeClr val="dk1"/>
+                          </a:solidFill>
+                          <a:effectLst/>
+                          <a:latin typeface="+mn-lt"/>
+                          <a:ea typeface="+mn-ea"/>
+                          <a:cs typeface="+mn-cs"/>
+                        </a:rPr>
+                        <a:t>ctl_step_pmsm_ctl_entity</a:t>
+                      </a:r>
+                      <a:endParaRPr lang="en-US" altLang="zh-CN" sz="1200" b="0" kern="1200" dirty="0">
+                        <a:solidFill>
+                          <a:schemeClr val="dk1"/>
+                        </a:solidFill>
+                        <a:effectLst/>
+                        <a:latin typeface="+mn-lt"/>
+                        <a:ea typeface="+mn-ea"/>
+                        <a:cs typeface="+mn-cs"/>
+                      </a:endParaRPr>
+                    </a:p>
+                  </a:txBody>
+                  <a:tcPr anchor="ctr">
+                    <a:solidFill>
+                      <a:schemeClr val="accent6">
+                        <a:lumMod val="20000"/>
+                        <a:lumOff val="80000"/>
+                      </a:schemeClr>
+                    </a:solidFill>
+                  </a:tcPr>
+                </a:tc>
+                <a:extLst>
+                  <a:ext uri="{0D108BD9-81ED-4DB2-BD59-A6C34878D82A}">
+                    <a16:rowId xmlns:a16="http://schemas.microsoft.com/office/drawing/2014/main" val="832487418"/>
+                  </a:ext>
+                </a:extLst>
+              </a:tr>
+            </a:tbl>
+          </a:graphicData>
+        </a:graphic>
+      </p:graphicFrame>
+      <p:graphicFrame>
+        <p:nvGraphicFramePr>
+          <p:cNvPr id="49" name="表格 48">
+            <a:extLst>
+              <a:ext uri="{FF2B5EF4-FFF2-40B4-BE49-F238E27FC236}">
+                <a16:creationId xmlns:a16="http://schemas.microsoft.com/office/drawing/2014/main" id="{EA07BBC0-92DE-43F7-8EC9-52B2A73DDA4D}"/>
+              </a:ext>
+            </a:extLst>
+          </p:cNvPr>
+          <p:cNvGraphicFramePr>
+            <a:graphicFrameLocks noGrp="1"/>
+          </p:cNvGraphicFramePr>
+          <p:nvPr>
+            <p:extLst>
+              <p:ext uri="{D42A27DB-BD31-4B8C-83A1-F6EECF244321}">
+                <p14:modId xmlns:p14="http://schemas.microsoft.com/office/powerpoint/2010/main" val="1810602810"/>
+              </p:ext>
+            </p:extLst>
+          </p:nvPr>
+        </p:nvGraphicFramePr>
+        <p:xfrm>
+          <a:off x="8262015" y="4199714"/>
+          <a:ext cx="3626941" cy="365092"/>
+        </p:xfrm>
+        <a:graphic>
+          <a:graphicData uri="http://schemas.openxmlformats.org/drawingml/2006/table">
+            <a:tbl>
+              <a:tblPr firstCol="1" bandRow="1">
+                <a:tableStyleId>{5C22544A-7EE6-4342-B048-85BDC9FD1C3A}</a:tableStyleId>
+              </a:tblPr>
+              <a:tblGrid>
+                <a:gridCol w="1642253">
+                  <a:extLst>
+                    <a:ext uri="{9D8B030D-6E8A-4147-A177-3AD203B41FA5}">
+                      <a16:colId xmlns:a16="http://schemas.microsoft.com/office/drawing/2014/main" val="202487886"/>
+                    </a:ext>
+                  </a:extLst>
+                </a:gridCol>
+                <a:gridCol w="1984688">
+                  <a:extLst>
+                    <a:ext uri="{9D8B030D-6E8A-4147-A177-3AD203B41FA5}">
+                      <a16:colId xmlns:a16="http://schemas.microsoft.com/office/drawing/2014/main" val="1329057522"/>
+                    </a:ext>
+                  </a:extLst>
+                </a:gridCol>
+              </a:tblGrid>
+              <a:tr h="365092">
+                <a:tc>
+                  <a:txBody>
+                    <a:bodyPr/>
+                    <a:lstStyle/>
+                    <a:p>
+                      <a:r>
+                        <a:rPr lang="en-US" altLang="zh-CN" sz="1400" dirty="0" err="1"/>
+                        <a:t>pmsm.ctl.h</a:t>
+                      </a:r>
+                      <a:endParaRPr lang="zh-CN" altLang="en-US" sz="1400" dirty="0"/>
+                    </a:p>
+                  </a:txBody>
+                  <a:tcPr anchor="ctr">
+                    <a:solidFill>
+                      <a:schemeClr val="accent6">
+                        <a:lumMod val="75000"/>
+                      </a:schemeClr>
+                    </a:solidFill>
+                  </a:tcPr>
+                </a:tc>
+                <a:tc>
+                  <a:txBody>
+                    <a:bodyPr/>
+                    <a:lstStyle/>
+                    <a:p>
+                      <a:r>
+                        <a:rPr lang="en-US" altLang="zh-CN" sz="1050" b="0" kern="1200" dirty="0" err="1">
+                          <a:solidFill>
+                            <a:schemeClr val="dk1"/>
+                          </a:solidFill>
+                          <a:effectLst/>
+                          <a:latin typeface="+mn-lt"/>
+                          <a:ea typeface="+mn-ea"/>
+                          <a:cs typeface="+mn-cs"/>
+                        </a:rPr>
+                        <a:t>ctl_pmsm_ctl_get_outout_cmp</a:t>
+                      </a:r>
+                      <a:endParaRPr lang="en-US" altLang="zh-CN" sz="1050" b="0" kern="1200" dirty="0">
+                        <a:solidFill>
+                          <a:schemeClr val="dk1"/>
+                        </a:solidFill>
+                        <a:effectLst/>
+                        <a:latin typeface="+mn-lt"/>
+                        <a:ea typeface="+mn-ea"/>
+                        <a:cs typeface="+mn-cs"/>
+                      </a:endParaRPr>
+                    </a:p>
+                  </a:txBody>
+                  <a:tcPr anchor="ctr">
+                    <a:solidFill>
+                      <a:schemeClr val="accent6">
+                        <a:lumMod val="20000"/>
+                        <a:lumOff val="80000"/>
+                      </a:schemeClr>
+                    </a:solidFill>
+                  </a:tcPr>
+                </a:tc>
+                <a:extLst>
+                  <a:ext uri="{0D108BD9-81ED-4DB2-BD59-A6C34878D82A}">
+                    <a16:rowId xmlns:a16="http://schemas.microsoft.com/office/drawing/2014/main" val="832487418"/>
+                  </a:ext>
+                </a:extLst>
+              </a:tr>
+            </a:tbl>
+          </a:graphicData>
+        </a:graphic>
+      </p:graphicFrame>
+    </p:spTree>
+    <p:extLst>
+      <p:ext uri="{BB962C8B-B14F-4D97-AF65-F5344CB8AC3E}">
+        <p14:creationId xmlns:p14="http://schemas.microsoft.com/office/powerpoint/2010/main" val="3276616206"/>
+      </p:ext>
+    </p:extLst>
+  </p:cSld>
+  <p:clrMapOvr>
+    <a:masterClrMapping/>
+  </p:clrMapOvr>
+</p:sld>
+</file>
+
+<file path=ppt/slides/slide9.xml><?xml version="1.0" encoding="utf-8"?>
+<p:sld xmlns:a="http://schemas.openxmlformats.org/drawingml/2006/main" xmlns:r="http://schemas.openxmlformats.org/officeDocument/2006/relationships" xmlns:p="http://schemas.openxmlformats.org/presentationml/2006/main">
+  <p:cSld>
+    <p:spTree>
+      <p:nvGrpSpPr>
+        <p:cNvPr id="1" name=""/>
+        <p:cNvGrpSpPr/>
+        <p:nvPr/>
+      </p:nvGrpSpPr>
+      <p:grpSpPr>
+        <a:xfrm>
+          <a:off x="0" y="0"/>
+          <a:ext cx="0" cy="0"/>
+          <a:chOff x="0" y="0"/>
+          <a:chExt cx="0" cy="0"/>
+        </a:xfrm>
+      </p:grpSpPr>
+      <p:sp>
+        <p:nvSpPr>
+          <p:cNvPr id="2" name="文本框 1">
+            <a:extLst>
+              <a:ext uri="{FF2B5EF4-FFF2-40B4-BE49-F238E27FC236}">
+                <a16:creationId xmlns:a16="http://schemas.microsoft.com/office/drawing/2014/main" id="{2EE06150-E4AB-4D3E-A70E-876F315723F5}"/>
+              </a:ext>
+            </a:extLst>
+          </p:cNvPr>
+          <p:cNvSpPr txBox="1"/>
+          <p:nvPr/>
+        </p:nvSpPr>
+        <p:spPr>
+          <a:xfrm>
+            <a:off x="165370" y="107005"/>
+            <a:ext cx="4253087" cy="369332"/>
+          </a:xfrm>
+          <a:prstGeom prst="rect">
+            <a:avLst/>
+          </a:prstGeom>
+          <a:noFill/>
+        </p:spPr>
+        <p:txBody>
+          <a:bodyPr wrap="none" rtlCol="0">
+            <a:spAutoFit/>
+          </a:bodyPr>
+          <a:lstStyle/>
+          <a:p>
+            <a:r>
+              <a:rPr lang="en-US" altLang="zh-CN" dirty="0"/>
+              <a:t>Structure of Basic Controller components</a:t>
+            </a:r>
+            <a:endParaRPr lang="zh-CN" altLang="en-US" dirty="0"/>
+          </a:p>
+        </p:txBody>
+      </p:sp>
+    </p:spTree>
+    <p:extLst>
+      <p:ext uri="{BB962C8B-B14F-4D97-AF65-F5344CB8AC3E}">
+        <p14:creationId xmlns:p14="http://schemas.microsoft.com/office/powerpoint/2010/main" val="3648913917"/>
+      </p:ext>
+    </p:extLst>
+  </p:cSld>
+  <p:clrMapOvr>
+    <a:masterClrMapping/>
+  </p:clrMapOvr>
+</p:sld>
+</file>
+
 <file path=ppt/theme/theme1.xml><?xml version="1.0" encoding="utf-8"?>
 <a:theme xmlns:a="http://schemas.openxmlformats.org/drawingml/2006/main" name="Office 主题​​">
   <a:themeElements>
